--- a/Slides/04. OpenCV影像處理.pptx
+++ b/Slides/04. OpenCV影像處理.pptx
@@ -248,7 +248,7 @@
   </p:defaultTextStyle>
   <p:extLst>
     <p:ext uri="{EFAFB233-063F-42B5-8137-9DF3F51BA10A}">
-      <p15:sldGuideLst xmlns:p15="http://schemas.microsoft.com/office/powerpoint/2012/main" xmlns="">
+      <p15:sldGuideLst xmlns="" xmlns:p15="http://schemas.microsoft.com/office/powerpoint/2012/main">
         <p15:guide id="1" orient="horz" pos="2160">
           <p15:clr>
             <a:srgbClr val="A4A3A4"/>
@@ -262,7 +262,7 @@
       </p15:sldGuideLst>
     </p:ext>
     <p:ext uri="{2D200454-40CA-4A62-9FC3-DE9A4176ACB9}">
-      <p15:notesGuideLst xmlns:p15="http://schemas.microsoft.com/office/powerpoint/2012/main" xmlns=""/>
+      <p15:notesGuideLst xmlns="" xmlns:p15="http://schemas.microsoft.com/office/powerpoint/2012/main"/>
     </p:ext>
   </p:extLst>
 </p:presentation>
@@ -353,7 +353,7 @@
             <a:fld id="{68F88C59-319B-4332-9A1D-2A62CFCB00D8}" type="datetimeFigureOut">
               <a:rPr lang="en-US" smtClean="0"/>
               <a:pPr/>
-              <a:t>9/23/2020</a:t>
+              <a:t>9/25/2020</a:t>
             </a:fld>
             <a:endParaRPr lang="en-US" dirty="0"/>
           </a:p>
@@ -431,7 +431,7 @@
     </p:spTree>
     <p:extLst>
       <p:ext uri="{BB962C8B-B14F-4D97-AF65-F5344CB8AC3E}">
-        <p14:creationId xmlns:p14="http://schemas.microsoft.com/office/powerpoint/2010/main" xmlns="" val="2345123278"/>
+        <p14:creationId xmlns="" xmlns:p14="http://schemas.microsoft.com/office/powerpoint/2010/main" val="2345123278"/>
       </p:ext>
     </p:extLst>
   </p:cSld>
@@ -524,7 +524,7 @@
             <a:fld id="{968B300D-05F0-4B43-940D-46DED5A791AD}" type="datetimeFigureOut">
               <a:rPr lang="en-US" smtClean="0"/>
               <a:pPr/>
-              <a:t>9/23/2020</a:t>
+              <a:t>9/25/2020</a:t>
             </a:fld>
             <a:endParaRPr lang="en-US" dirty="0"/>
           </a:p>
@@ -696,7 +696,7 @@
     </p:spTree>
     <p:extLst>
       <p:ext uri="{BB962C8B-B14F-4D97-AF65-F5344CB8AC3E}">
-        <p14:creationId xmlns:p14="http://schemas.microsoft.com/office/powerpoint/2010/main" xmlns="" val="623787478"/>
+        <p14:creationId xmlns="" xmlns:p14="http://schemas.microsoft.com/office/powerpoint/2010/main" val="623787478"/>
       </p:ext>
     </p:extLst>
   </p:cSld>
@@ -872,7 +872,7 @@
     </p:spTree>
     <p:extLst>
       <p:ext uri="{BB962C8B-B14F-4D97-AF65-F5344CB8AC3E}">
-        <p14:creationId xmlns:p14="http://schemas.microsoft.com/office/powerpoint/2010/main" xmlns="" val="2659555247"/>
+        <p14:creationId xmlns="" xmlns:p14="http://schemas.microsoft.com/office/powerpoint/2010/main" val="2659555247"/>
       </p:ext>
     </p:extLst>
   </p:cSld>
@@ -957,7 +957,7 @@
     </p:spTree>
     <p:extLst>
       <p:ext uri="{BB962C8B-B14F-4D97-AF65-F5344CB8AC3E}">
-        <p14:creationId xmlns:p14="http://schemas.microsoft.com/office/powerpoint/2010/main" xmlns="" val="2659555247"/>
+        <p14:creationId xmlns="" xmlns:p14="http://schemas.microsoft.com/office/powerpoint/2010/main" val="2659555247"/>
       </p:ext>
     </p:extLst>
   </p:cSld>
@@ -1042,7 +1042,7 @@
     </p:spTree>
     <p:extLst>
       <p:ext uri="{BB962C8B-B14F-4D97-AF65-F5344CB8AC3E}">
-        <p14:creationId xmlns:p14="http://schemas.microsoft.com/office/powerpoint/2010/main" xmlns="" val="2659555247"/>
+        <p14:creationId xmlns="" xmlns:p14="http://schemas.microsoft.com/office/powerpoint/2010/main" val="2659555247"/>
       </p:ext>
     </p:extLst>
   </p:cSld>
@@ -1127,7 +1127,7 @@
     </p:spTree>
     <p:extLst>
       <p:ext uri="{BB962C8B-B14F-4D97-AF65-F5344CB8AC3E}">
-        <p14:creationId xmlns:p14="http://schemas.microsoft.com/office/powerpoint/2010/main" xmlns="" val="2659555247"/>
+        <p14:creationId xmlns="" xmlns:p14="http://schemas.microsoft.com/office/powerpoint/2010/main" val="2659555247"/>
       </p:ext>
     </p:extLst>
   </p:cSld>
@@ -1212,7 +1212,7 @@
     </p:spTree>
     <p:extLst>
       <p:ext uri="{BB962C8B-B14F-4D97-AF65-F5344CB8AC3E}">
-        <p14:creationId xmlns:p14="http://schemas.microsoft.com/office/powerpoint/2010/main" xmlns="" val="2659555247"/>
+        <p14:creationId xmlns="" xmlns:p14="http://schemas.microsoft.com/office/powerpoint/2010/main" val="2659555247"/>
       </p:ext>
     </p:extLst>
   </p:cSld>
@@ -1297,7 +1297,7 @@
     </p:spTree>
     <p:extLst>
       <p:ext uri="{BB962C8B-B14F-4D97-AF65-F5344CB8AC3E}">
-        <p14:creationId xmlns:p14="http://schemas.microsoft.com/office/powerpoint/2010/main" xmlns="" val="2659555247"/>
+        <p14:creationId xmlns="" xmlns:p14="http://schemas.microsoft.com/office/powerpoint/2010/main" val="2659555247"/>
       </p:ext>
     </p:extLst>
   </p:cSld>
@@ -1382,7 +1382,7 @@
     </p:spTree>
     <p:extLst>
       <p:ext uri="{BB962C8B-B14F-4D97-AF65-F5344CB8AC3E}">
-        <p14:creationId xmlns:p14="http://schemas.microsoft.com/office/powerpoint/2010/main" xmlns="" val="2659555247"/>
+        <p14:creationId xmlns="" xmlns:p14="http://schemas.microsoft.com/office/powerpoint/2010/main" val="2659555247"/>
       </p:ext>
     </p:extLst>
   </p:cSld>
@@ -1467,7 +1467,7 @@
     </p:spTree>
     <p:extLst>
       <p:ext uri="{BB962C8B-B14F-4D97-AF65-F5344CB8AC3E}">
-        <p14:creationId xmlns:p14="http://schemas.microsoft.com/office/powerpoint/2010/main" xmlns="" val="2659555247"/>
+        <p14:creationId xmlns="" xmlns:p14="http://schemas.microsoft.com/office/powerpoint/2010/main" val="2659555247"/>
       </p:ext>
     </p:extLst>
   </p:cSld>
@@ -1552,7 +1552,7 @@
     </p:spTree>
     <p:extLst>
       <p:ext uri="{BB962C8B-B14F-4D97-AF65-F5344CB8AC3E}">
-        <p14:creationId xmlns:p14="http://schemas.microsoft.com/office/powerpoint/2010/main" xmlns="" val="2659555247"/>
+        <p14:creationId xmlns="" xmlns:p14="http://schemas.microsoft.com/office/powerpoint/2010/main" val="2659555247"/>
       </p:ext>
     </p:extLst>
   </p:cSld>
@@ -1637,7 +1637,7 @@
     </p:spTree>
     <p:extLst>
       <p:ext uri="{BB962C8B-B14F-4D97-AF65-F5344CB8AC3E}">
-        <p14:creationId xmlns:p14="http://schemas.microsoft.com/office/powerpoint/2010/main" xmlns="" val="2659555247"/>
+        <p14:creationId xmlns="" xmlns:p14="http://schemas.microsoft.com/office/powerpoint/2010/main" val="2659555247"/>
       </p:ext>
     </p:extLst>
   </p:cSld>
@@ -1722,7 +1722,7 @@
     </p:spTree>
     <p:extLst>
       <p:ext uri="{BB962C8B-B14F-4D97-AF65-F5344CB8AC3E}">
-        <p14:creationId xmlns:p14="http://schemas.microsoft.com/office/powerpoint/2010/main" xmlns="" val="2659555247"/>
+        <p14:creationId xmlns="" xmlns:p14="http://schemas.microsoft.com/office/powerpoint/2010/main" val="2659555247"/>
       </p:ext>
     </p:extLst>
   </p:cSld>
@@ -1807,7 +1807,7 @@
     </p:spTree>
     <p:extLst>
       <p:ext uri="{BB962C8B-B14F-4D97-AF65-F5344CB8AC3E}">
-        <p14:creationId xmlns:p14="http://schemas.microsoft.com/office/powerpoint/2010/main" xmlns="" val="2659555247"/>
+        <p14:creationId xmlns="" xmlns:p14="http://schemas.microsoft.com/office/powerpoint/2010/main" val="2659555247"/>
       </p:ext>
     </p:extLst>
   </p:cSld>
@@ -1892,7 +1892,7 @@
     </p:spTree>
     <p:extLst>
       <p:ext uri="{BB962C8B-B14F-4D97-AF65-F5344CB8AC3E}">
-        <p14:creationId xmlns:p14="http://schemas.microsoft.com/office/powerpoint/2010/main" xmlns="" val="2659555247"/>
+        <p14:creationId xmlns="" xmlns:p14="http://schemas.microsoft.com/office/powerpoint/2010/main" val="2659555247"/>
       </p:ext>
     </p:extLst>
   </p:cSld>
@@ -1977,7 +1977,7 @@
     </p:spTree>
     <p:extLst>
       <p:ext uri="{BB962C8B-B14F-4D97-AF65-F5344CB8AC3E}">
-        <p14:creationId xmlns:p14="http://schemas.microsoft.com/office/powerpoint/2010/main" xmlns="" val="2659555247"/>
+        <p14:creationId xmlns="" xmlns:p14="http://schemas.microsoft.com/office/powerpoint/2010/main" val="2659555247"/>
       </p:ext>
     </p:extLst>
   </p:cSld>
@@ -2062,7 +2062,7 @@
     </p:spTree>
     <p:extLst>
       <p:ext uri="{BB962C8B-B14F-4D97-AF65-F5344CB8AC3E}">
-        <p14:creationId xmlns:p14="http://schemas.microsoft.com/office/powerpoint/2010/main" xmlns="" val="2659555247"/>
+        <p14:creationId xmlns="" xmlns:p14="http://schemas.microsoft.com/office/powerpoint/2010/main" val="2659555247"/>
       </p:ext>
     </p:extLst>
   </p:cSld>
@@ -2147,7 +2147,7 @@
     </p:spTree>
     <p:extLst>
       <p:ext uri="{BB962C8B-B14F-4D97-AF65-F5344CB8AC3E}">
-        <p14:creationId xmlns:p14="http://schemas.microsoft.com/office/powerpoint/2010/main" xmlns="" val="2659555247"/>
+        <p14:creationId xmlns="" xmlns:p14="http://schemas.microsoft.com/office/powerpoint/2010/main" val="2659555247"/>
       </p:ext>
     </p:extLst>
   </p:cSld>
@@ -2232,7 +2232,7 @@
     </p:spTree>
     <p:extLst>
       <p:ext uri="{BB962C8B-B14F-4D97-AF65-F5344CB8AC3E}">
-        <p14:creationId xmlns:p14="http://schemas.microsoft.com/office/powerpoint/2010/main" xmlns="" val="2659555247"/>
+        <p14:creationId xmlns="" xmlns:p14="http://schemas.microsoft.com/office/powerpoint/2010/main" val="2659555247"/>
       </p:ext>
     </p:extLst>
   </p:cSld>
@@ -2317,7 +2317,7 @@
     </p:spTree>
     <p:extLst>
       <p:ext uri="{BB962C8B-B14F-4D97-AF65-F5344CB8AC3E}">
-        <p14:creationId xmlns:p14="http://schemas.microsoft.com/office/powerpoint/2010/main" xmlns="" val="2659555247"/>
+        <p14:creationId xmlns="" xmlns:p14="http://schemas.microsoft.com/office/powerpoint/2010/main" val="2659555247"/>
       </p:ext>
     </p:extLst>
   </p:cSld>
@@ -2402,7 +2402,7 @@
     </p:spTree>
     <p:extLst>
       <p:ext uri="{BB962C8B-B14F-4D97-AF65-F5344CB8AC3E}">
-        <p14:creationId xmlns:p14="http://schemas.microsoft.com/office/powerpoint/2010/main" xmlns="" val="2659555247"/>
+        <p14:creationId xmlns="" xmlns:p14="http://schemas.microsoft.com/office/powerpoint/2010/main" val="2659555247"/>
       </p:ext>
     </p:extLst>
   </p:cSld>
@@ -2487,7 +2487,7 @@
     </p:spTree>
     <p:extLst>
       <p:ext uri="{BB962C8B-B14F-4D97-AF65-F5344CB8AC3E}">
-        <p14:creationId xmlns:p14="http://schemas.microsoft.com/office/powerpoint/2010/main" xmlns="" val="2659555247"/>
+        <p14:creationId xmlns="" xmlns:p14="http://schemas.microsoft.com/office/powerpoint/2010/main" val="2659555247"/>
       </p:ext>
     </p:extLst>
   </p:cSld>
@@ -2572,7 +2572,7 @@
     </p:spTree>
     <p:extLst>
       <p:ext uri="{BB962C8B-B14F-4D97-AF65-F5344CB8AC3E}">
-        <p14:creationId xmlns:p14="http://schemas.microsoft.com/office/powerpoint/2010/main" xmlns="" val="2659555247"/>
+        <p14:creationId xmlns="" xmlns:p14="http://schemas.microsoft.com/office/powerpoint/2010/main" val="2659555247"/>
       </p:ext>
     </p:extLst>
   </p:cSld>
@@ -2657,7 +2657,7 @@
     </p:spTree>
     <p:extLst>
       <p:ext uri="{BB962C8B-B14F-4D97-AF65-F5344CB8AC3E}">
-        <p14:creationId xmlns:p14="http://schemas.microsoft.com/office/powerpoint/2010/main" xmlns="" val="2659555247"/>
+        <p14:creationId xmlns="" xmlns:p14="http://schemas.microsoft.com/office/powerpoint/2010/main" val="2659555247"/>
       </p:ext>
     </p:extLst>
   </p:cSld>
@@ -2742,7 +2742,7 @@
     </p:spTree>
     <p:extLst>
       <p:ext uri="{BB962C8B-B14F-4D97-AF65-F5344CB8AC3E}">
-        <p14:creationId xmlns:p14="http://schemas.microsoft.com/office/powerpoint/2010/main" xmlns="" val="2659555247"/>
+        <p14:creationId xmlns="" xmlns:p14="http://schemas.microsoft.com/office/powerpoint/2010/main" val="2659555247"/>
       </p:ext>
     </p:extLst>
   </p:cSld>
@@ -2827,7 +2827,7 @@
     </p:spTree>
     <p:extLst>
       <p:ext uri="{BB962C8B-B14F-4D97-AF65-F5344CB8AC3E}">
-        <p14:creationId xmlns:p14="http://schemas.microsoft.com/office/powerpoint/2010/main" xmlns="" val="2659555247"/>
+        <p14:creationId xmlns="" xmlns:p14="http://schemas.microsoft.com/office/powerpoint/2010/main" val="2659555247"/>
       </p:ext>
     </p:extLst>
   </p:cSld>
@@ -2912,7 +2912,7 @@
     </p:spTree>
     <p:extLst>
       <p:ext uri="{BB962C8B-B14F-4D97-AF65-F5344CB8AC3E}">
-        <p14:creationId xmlns:p14="http://schemas.microsoft.com/office/powerpoint/2010/main" xmlns="" val="2659555247"/>
+        <p14:creationId xmlns="" xmlns:p14="http://schemas.microsoft.com/office/powerpoint/2010/main" val="2659555247"/>
       </p:ext>
     </p:extLst>
   </p:cSld>
@@ -2997,7 +2997,7 @@
     </p:spTree>
     <p:extLst>
       <p:ext uri="{BB962C8B-B14F-4D97-AF65-F5344CB8AC3E}">
-        <p14:creationId xmlns:p14="http://schemas.microsoft.com/office/powerpoint/2010/main" xmlns="" val="2659555247"/>
+        <p14:creationId xmlns="" xmlns:p14="http://schemas.microsoft.com/office/powerpoint/2010/main" val="2659555247"/>
       </p:ext>
     </p:extLst>
   </p:cSld>
@@ -3082,7 +3082,7 @@
     </p:spTree>
     <p:extLst>
       <p:ext uri="{BB962C8B-B14F-4D97-AF65-F5344CB8AC3E}">
-        <p14:creationId xmlns:p14="http://schemas.microsoft.com/office/powerpoint/2010/main" xmlns="" val="2659555247"/>
+        <p14:creationId xmlns="" xmlns:p14="http://schemas.microsoft.com/office/powerpoint/2010/main" val="2659555247"/>
       </p:ext>
     </p:extLst>
   </p:cSld>
@@ -3167,7 +3167,7 @@
     </p:spTree>
     <p:extLst>
       <p:ext uri="{BB962C8B-B14F-4D97-AF65-F5344CB8AC3E}">
-        <p14:creationId xmlns:p14="http://schemas.microsoft.com/office/powerpoint/2010/main" xmlns="" val="2659555247"/>
+        <p14:creationId xmlns="" xmlns:p14="http://schemas.microsoft.com/office/powerpoint/2010/main" val="2659555247"/>
       </p:ext>
     </p:extLst>
   </p:cSld>
@@ -3252,7 +3252,7 @@
     </p:spTree>
     <p:extLst>
       <p:ext uri="{BB962C8B-B14F-4D97-AF65-F5344CB8AC3E}">
-        <p14:creationId xmlns:p14="http://schemas.microsoft.com/office/powerpoint/2010/main" xmlns="" val="2659555247"/>
+        <p14:creationId xmlns="" xmlns:p14="http://schemas.microsoft.com/office/powerpoint/2010/main" val="2659555247"/>
       </p:ext>
     </p:extLst>
   </p:cSld>
@@ -3337,7 +3337,7 @@
     </p:spTree>
     <p:extLst>
       <p:ext uri="{BB962C8B-B14F-4D97-AF65-F5344CB8AC3E}">
-        <p14:creationId xmlns:p14="http://schemas.microsoft.com/office/powerpoint/2010/main" xmlns="" val="2659555247"/>
+        <p14:creationId xmlns="" xmlns:p14="http://schemas.microsoft.com/office/powerpoint/2010/main" val="2659555247"/>
       </p:ext>
     </p:extLst>
   </p:cSld>
@@ -3422,7 +3422,7 @@
     </p:spTree>
     <p:extLst>
       <p:ext uri="{BB962C8B-B14F-4D97-AF65-F5344CB8AC3E}">
-        <p14:creationId xmlns:p14="http://schemas.microsoft.com/office/powerpoint/2010/main" xmlns="" val="2659555247"/>
+        <p14:creationId xmlns="" xmlns:p14="http://schemas.microsoft.com/office/powerpoint/2010/main" val="2659555247"/>
       </p:ext>
     </p:extLst>
   </p:cSld>
@@ -3507,7 +3507,7 @@
     </p:spTree>
     <p:extLst>
       <p:ext uri="{BB962C8B-B14F-4D97-AF65-F5344CB8AC3E}">
-        <p14:creationId xmlns="" xmlns:p14="http://schemas.microsoft.com/office/powerpoint/2010/main" val="939565178"/>
+        <p14:creationId xmlns:p14="http://schemas.microsoft.com/office/powerpoint/2010/main" xmlns="" val="939565178"/>
       </p:ext>
     </p:extLst>
   </p:cSld>
@@ -3596,7 +3596,7 @@
     </p:spTree>
     <p:extLst>
       <p:ext uri="{BB962C8B-B14F-4D97-AF65-F5344CB8AC3E}">
-        <p14:creationId xmlns:p14="http://schemas.microsoft.com/office/powerpoint/2010/main" xmlns="" val="2659555247"/>
+        <p14:creationId xmlns="" xmlns:p14="http://schemas.microsoft.com/office/powerpoint/2010/main" val="2659555247"/>
       </p:ext>
     </p:extLst>
   </p:cSld>
@@ -3685,7 +3685,7 @@
     </p:spTree>
     <p:extLst>
       <p:ext uri="{BB962C8B-B14F-4D97-AF65-F5344CB8AC3E}">
-        <p14:creationId xmlns:p14="http://schemas.microsoft.com/office/powerpoint/2010/main" xmlns="" val="2659555247"/>
+        <p14:creationId xmlns="" xmlns:p14="http://schemas.microsoft.com/office/powerpoint/2010/main" val="2659555247"/>
       </p:ext>
     </p:extLst>
   </p:cSld>
@@ -3770,7 +3770,7 @@
     </p:spTree>
     <p:extLst>
       <p:ext uri="{BB962C8B-B14F-4D97-AF65-F5344CB8AC3E}">
-        <p14:creationId xmlns:p14="http://schemas.microsoft.com/office/powerpoint/2010/main" xmlns="" val="2659555247"/>
+        <p14:creationId xmlns="" xmlns:p14="http://schemas.microsoft.com/office/powerpoint/2010/main" val="2659555247"/>
       </p:ext>
     </p:extLst>
   </p:cSld>
@@ -3859,7 +3859,7 @@
     </p:spTree>
     <p:extLst>
       <p:ext uri="{BB962C8B-B14F-4D97-AF65-F5344CB8AC3E}">
-        <p14:creationId xmlns:p14="http://schemas.microsoft.com/office/powerpoint/2010/main" xmlns="" val="2659555247"/>
+        <p14:creationId xmlns="" xmlns:p14="http://schemas.microsoft.com/office/powerpoint/2010/main" val="2659555247"/>
       </p:ext>
     </p:extLst>
   </p:cSld>
@@ -3948,7 +3948,7 @@
     </p:spTree>
     <p:extLst>
       <p:ext uri="{BB962C8B-B14F-4D97-AF65-F5344CB8AC3E}">
-        <p14:creationId xmlns:p14="http://schemas.microsoft.com/office/powerpoint/2010/main" xmlns="" val="2659555247"/>
+        <p14:creationId xmlns="" xmlns:p14="http://schemas.microsoft.com/office/powerpoint/2010/main" val="2659555247"/>
       </p:ext>
     </p:extLst>
   </p:cSld>
@@ -4037,7 +4037,7 @@
     </p:spTree>
     <p:extLst>
       <p:ext uri="{BB962C8B-B14F-4D97-AF65-F5344CB8AC3E}">
-        <p14:creationId xmlns:p14="http://schemas.microsoft.com/office/powerpoint/2010/main" xmlns="" val="2659555247"/>
+        <p14:creationId xmlns="" xmlns:p14="http://schemas.microsoft.com/office/powerpoint/2010/main" val="2659555247"/>
       </p:ext>
     </p:extLst>
   </p:cSld>
@@ -4126,7 +4126,7 @@
     </p:spTree>
     <p:extLst>
       <p:ext uri="{BB962C8B-B14F-4D97-AF65-F5344CB8AC3E}">
-        <p14:creationId xmlns:p14="http://schemas.microsoft.com/office/powerpoint/2010/main" xmlns="" val="2659555247"/>
+        <p14:creationId xmlns="" xmlns:p14="http://schemas.microsoft.com/office/powerpoint/2010/main" val="2659555247"/>
       </p:ext>
     </p:extLst>
   </p:cSld>
@@ -4215,7 +4215,7 @@
     </p:spTree>
     <p:extLst>
       <p:ext uri="{BB962C8B-B14F-4D97-AF65-F5344CB8AC3E}">
-        <p14:creationId xmlns:p14="http://schemas.microsoft.com/office/powerpoint/2010/main" xmlns="" val="2659555247"/>
+        <p14:creationId xmlns="" xmlns:p14="http://schemas.microsoft.com/office/powerpoint/2010/main" val="2659555247"/>
       </p:ext>
     </p:extLst>
   </p:cSld>
@@ -4304,7 +4304,7 @@
     </p:spTree>
     <p:extLst>
       <p:ext uri="{BB962C8B-B14F-4D97-AF65-F5344CB8AC3E}">
-        <p14:creationId xmlns:p14="http://schemas.microsoft.com/office/powerpoint/2010/main" xmlns="" val="2659555247"/>
+        <p14:creationId xmlns="" xmlns:p14="http://schemas.microsoft.com/office/powerpoint/2010/main" val="2659555247"/>
       </p:ext>
     </p:extLst>
   </p:cSld>
@@ -4393,7 +4393,7 @@
     </p:spTree>
     <p:extLst>
       <p:ext uri="{BB962C8B-B14F-4D97-AF65-F5344CB8AC3E}">
-        <p14:creationId xmlns:p14="http://schemas.microsoft.com/office/powerpoint/2010/main" xmlns="" val="2659555247"/>
+        <p14:creationId xmlns="" xmlns:p14="http://schemas.microsoft.com/office/powerpoint/2010/main" val="2659555247"/>
       </p:ext>
     </p:extLst>
   </p:cSld>
@@ -4482,7 +4482,7 @@
     </p:spTree>
     <p:extLst>
       <p:ext uri="{BB962C8B-B14F-4D97-AF65-F5344CB8AC3E}">
-        <p14:creationId xmlns:p14="http://schemas.microsoft.com/office/powerpoint/2010/main" xmlns="" val="2659555247"/>
+        <p14:creationId xmlns="" xmlns:p14="http://schemas.microsoft.com/office/powerpoint/2010/main" val="2659555247"/>
       </p:ext>
     </p:extLst>
   </p:cSld>
@@ -4571,7 +4571,7 @@
     </p:spTree>
     <p:extLst>
       <p:ext uri="{BB962C8B-B14F-4D97-AF65-F5344CB8AC3E}">
-        <p14:creationId xmlns:p14="http://schemas.microsoft.com/office/powerpoint/2010/main" xmlns="" val="2659555247"/>
+        <p14:creationId xmlns="" xmlns:p14="http://schemas.microsoft.com/office/powerpoint/2010/main" val="2659555247"/>
       </p:ext>
     </p:extLst>
   </p:cSld>
@@ -4660,7 +4660,7 @@
     </p:spTree>
     <p:extLst>
       <p:ext uri="{BB962C8B-B14F-4D97-AF65-F5344CB8AC3E}">
-        <p14:creationId xmlns:p14="http://schemas.microsoft.com/office/powerpoint/2010/main" xmlns="" val="2659555247"/>
+        <p14:creationId xmlns="" xmlns:p14="http://schemas.microsoft.com/office/powerpoint/2010/main" val="2659555247"/>
       </p:ext>
     </p:extLst>
   </p:cSld>
@@ -4745,7 +4745,7 @@
     </p:spTree>
     <p:extLst>
       <p:ext uri="{BB962C8B-B14F-4D97-AF65-F5344CB8AC3E}">
-        <p14:creationId xmlns:p14="http://schemas.microsoft.com/office/powerpoint/2010/main" xmlns="" val="2659555247"/>
+        <p14:creationId xmlns="" xmlns:p14="http://schemas.microsoft.com/office/powerpoint/2010/main" val="2659555247"/>
       </p:ext>
     </p:extLst>
   </p:cSld>
@@ -4830,7 +4830,7 @@
     </p:spTree>
     <p:extLst>
       <p:ext uri="{BB962C8B-B14F-4D97-AF65-F5344CB8AC3E}">
-        <p14:creationId xmlns:p14="http://schemas.microsoft.com/office/powerpoint/2010/main" xmlns="" val="2659555247"/>
+        <p14:creationId xmlns="" xmlns:p14="http://schemas.microsoft.com/office/powerpoint/2010/main" val="2659555247"/>
       </p:ext>
     </p:extLst>
   </p:cSld>
@@ -4915,7 +4915,7 @@
     </p:spTree>
     <p:extLst>
       <p:ext uri="{BB962C8B-B14F-4D97-AF65-F5344CB8AC3E}">
-        <p14:creationId xmlns:p14="http://schemas.microsoft.com/office/powerpoint/2010/main" xmlns="" val="2659555247"/>
+        <p14:creationId xmlns="" xmlns:p14="http://schemas.microsoft.com/office/powerpoint/2010/main" val="2659555247"/>
       </p:ext>
     </p:extLst>
   </p:cSld>
@@ -5000,7 +5000,7 @@
     </p:spTree>
     <p:extLst>
       <p:ext uri="{BB962C8B-B14F-4D97-AF65-F5344CB8AC3E}">
-        <p14:creationId xmlns:p14="http://schemas.microsoft.com/office/powerpoint/2010/main" xmlns="" val="2659555247"/>
+        <p14:creationId xmlns="" xmlns:p14="http://schemas.microsoft.com/office/powerpoint/2010/main" val="2659555247"/>
       </p:ext>
     </p:extLst>
   </p:cSld>
@@ -5085,7 +5085,7 @@
     </p:spTree>
     <p:extLst>
       <p:ext uri="{BB962C8B-B14F-4D97-AF65-F5344CB8AC3E}">
-        <p14:creationId xmlns:p14="http://schemas.microsoft.com/office/powerpoint/2010/main" xmlns="" val="2659555247"/>
+        <p14:creationId xmlns="" xmlns:p14="http://schemas.microsoft.com/office/powerpoint/2010/main" val="2659555247"/>
       </p:ext>
     </p:extLst>
   </p:cSld>
@@ -5170,7 +5170,7 @@
     </p:spTree>
     <p:extLst>
       <p:ext uri="{BB962C8B-B14F-4D97-AF65-F5344CB8AC3E}">
-        <p14:creationId xmlns:p14="http://schemas.microsoft.com/office/powerpoint/2010/main" xmlns="" val="2659555247"/>
+        <p14:creationId xmlns="" xmlns:p14="http://schemas.microsoft.com/office/powerpoint/2010/main" val="2659555247"/>
       </p:ext>
     </p:extLst>
   </p:cSld>
@@ -5255,7 +5255,7 @@
     </p:spTree>
     <p:extLst>
       <p:ext uri="{BB962C8B-B14F-4D97-AF65-F5344CB8AC3E}">
-        <p14:creationId xmlns="" xmlns:p14="http://schemas.microsoft.com/office/powerpoint/2010/main" val="939565178"/>
+        <p14:creationId xmlns:p14="http://schemas.microsoft.com/office/powerpoint/2010/main" xmlns="" val="939565178"/>
       </p:ext>
     </p:extLst>
   </p:cSld>
@@ -5340,7 +5340,7 @@
     </p:spTree>
     <p:extLst>
       <p:ext uri="{BB962C8B-B14F-4D97-AF65-F5344CB8AC3E}">
-        <p14:creationId xmlns:p14="http://schemas.microsoft.com/office/powerpoint/2010/main" xmlns="" val="2659555247"/>
+        <p14:creationId xmlns="" xmlns:p14="http://schemas.microsoft.com/office/powerpoint/2010/main" val="2659555247"/>
       </p:ext>
     </p:extLst>
   </p:cSld>
@@ -5425,7 +5425,7 @@
     </p:spTree>
     <p:extLst>
       <p:ext uri="{BB962C8B-B14F-4D97-AF65-F5344CB8AC3E}">
-        <p14:creationId xmlns:p14="http://schemas.microsoft.com/office/powerpoint/2010/main" xmlns="" val="2659555247"/>
+        <p14:creationId xmlns="" xmlns:p14="http://schemas.microsoft.com/office/powerpoint/2010/main" val="2659555247"/>
       </p:ext>
     </p:extLst>
   </p:cSld>
@@ -5510,7 +5510,7 @@
     </p:spTree>
     <p:extLst>
       <p:ext uri="{BB962C8B-B14F-4D97-AF65-F5344CB8AC3E}">
-        <p14:creationId xmlns:p14="http://schemas.microsoft.com/office/powerpoint/2010/main" xmlns="" val="2659555247"/>
+        <p14:creationId xmlns="" xmlns:p14="http://schemas.microsoft.com/office/powerpoint/2010/main" val="2659555247"/>
       </p:ext>
     </p:extLst>
   </p:cSld>
@@ -5595,7 +5595,7 @@
     </p:spTree>
     <p:extLst>
       <p:ext uri="{BB962C8B-B14F-4D97-AF65-F5344CB8AC3E}">
-        <p14:creationId xmlns:p14="http://schemas.microsoft.com/office/powerpoint/2010/main" xmlns="" val="2659555247"/>
+        <p14:creationId xmlns="" xmlns:p14="http://schemas.microsoft.com/office/powerpoint/2010/main" val="2659555247"/>
       </p:ext>
     </p:extLst>
   </p:cSld>
@@ -5680,7 +5680,7 @@
     </p:spTree>
     <p:extLst>
       <p:ext uri="{BB962C8B-B14F-4D97-AF65-F5344CB8AC3E}">
-        <p14:creationId xmlns:p14="http://schemas.microsoft.com/office/powerpoint/2010/main" xmlns="" val="2659555247"/>
+        <p14:creationId xmlns="" xmlns:p14="http://schemas.microsoft.com/office/powerpoint/2010/main" val="2659555247"/>
       </p:ext>
     </p:extLst>
   </p:cSld>
@@ -5765,7 +5765,7 @@
     </p:spTree>
     <p:extLst>
       <p:ext uri="{BB962C8B-B14F-4D97-AF65-F5344CB8AC3E}">
-        <p14:creationId xmlns:p14="http://schemas.microsoft.com/office/powerpoint/2010/main" xmlns="" val="2659555247"/>
+        <p14:creationId xmlns="" xmlns:p14="http://schemas.microsoft.com/office/powerpoint/2010/main" val="2659555247"/>
       </p:ext>
     </p:extLst>
   </p:cSld>
@@ -5850,7 +5850,7 @@
     </p:spTree>
     <p:extLst>
       <p:ext uri="{BB962C8B-B14F-4D97-AF65-F5344CB8AC3E}">
-        <p14:creationId xmlns:p14="http://schemas.microsoft.com/office/powerpoint/2010/main" xmlns="" val="2659555247"/>
+        <p14:creationId xmlns="" xmlns:p14="http://schemas.microsoft.com/office/powerpoint/2010/main" val="2659555247"/>
       </p:ext>
     </p:extLst>
   </p:cSld>
@@ -5935,7 +5935,7 @@
     </p:spTree>
     <p:extLst>
       <p:ext uri="{BB962C8B-B14F-4D97-AF65-F5344CB8AC3E}">
-        <p14:creationId xmlns:p14="http://schemas.microsoft.com/office/powerpoint/2010/main" xmlns="" val="2659555247"/>
+        <p14:creationId xmlns="" xmlns:p14="http://schemas.microsoft.com/office/powerpoint/2010/main" val="2659555247"/>
       </p:ext>
     </p:extLst>
   </p:cSld>
@@ -6020,7 +6020,7 @@
     </p:spTree>
     <p:extLst>
       <p:ext uri="{BB962C8B-B14F-4D97-AF65-F5344CB8AC3E}">
-        <p14:creationId xmlns:p14="http://schemas.microsoft.com/office/powerpoint/2010/main" xmlns="" val="2659555247"/>
+        <p14:creationId xmlns="" xmlns:p14="http://schemas.microsoft.com/office/powerpoint/2010/main" val="2659555247"/>
       </p:ext>
     </p:extLst>
   </p:cSld>
@@ -6105,7 +6105,7 @@
     </p:spTree>
     <p:extLst>
       <p:ext uri="{BB962C8B-B14F-4D97-AF65-F5344CB8AC3E}">
-        <p14:creationId xmlns:p14="http://schemas.microsoft.com/office/powerpoint/2010/main" xmlns="" val="2659555247"/>
+        <p14:creationId xmlns="" xmlns:p14="http://schemas.microsoft.com/office/powerpoint/2010/main" val="2659555247"/>
       </p:ext>
     </p:extLst>
   </p:cSld>
@@ -6190,7 +6190,7 @@
     </p:spTree>
     <p:extLst>
       <p:ext uri="{BB962C8B-B14F-4D97-AF65-F5344CB8AC3E}">
-        <p14:creationId xmlns:p14="http://schemas.microsoft.com/office/powerpoint/2010/main" xmlns="" val="2659555247"/>
+        <p14:creationId xmlns="" xmlns:p14="http://schemas.microsoft.com/office/powerpoint/2010/main" val="2659555247"/>
       </p:ext>
     </p:extLst>
   </p:cSld>
@@ -6275,7 +6275,7 @@
     </p:spTree>
     <p:extLst>
       <p:ext uri="{BB962C8B-B14F-4D97-AF65-F5344CB8AC3E}">
-        <p14:creationId xmlns="" xmlns:p14="http://schemas.microsoft.com/office/powerpoint/2010/main" val="939565178"/>
+        <p14:creationId xmlns:p14="http://schemas.microsoft.com/office/powerpoint/2010/main" xmlns="" val="939565178"/>
       </p:ext>
     </p:extLst>
   </p:cSld>
@@ -6360,7 +6360,7 @@
     </p:spTree>
     <p:extLst>
       <p:ext uri="{BB962C8B-B14F-4D97-AF65-F5344CB8AC3E}">
-        <p14:creationId xmlns:p14="http://schemas.microsoft.com/office/powerpoint/2010/main" xmlns="" val="2659555247"/>
+        <p14:creationId xmlns="" xmlns:p14="http://schemas.microsoft.com/office/powerpoint/2010/main" val="2659555247"/>
       </p:ext>
     </p:extLst>
   </p:cSld>
@@ -6445,7 +6445,7 @@
     </p:spTree>
     <p:extLst>
       <p:ext uri="{BB962C8B-B14F-4D97-AF65-F5344CB8AC3E}">
-        <p14:creationId xmlns:p14="http://schemas.microsoft.com/office/powerpoint/2010/main" xmlns="" val="2659555247"/>
+        <p14:creationId xmlns="" xmlns:p14="http://schemas.microsoft.com/office/powerpoint/2010/main" val="2659555247"/>
       </p:ext>
     </p:extLst>
   </p:cSld>
@@ -6530,7 +6530,7 @@
     </p:spTree>
     <p:extLst>
       <p:ext uri="{BB962C8B-B14F-4D97-AF65-F5344CB8AC3E}">
-        <p14:creationId xmlns:p14="http://schemas.microsoft.com/office/powerpoint/2010/main" xmlns="" val="2659555247"/>
+        <p14:creationId xmlns="" xmlns:p14="http://schemas.microsoft.com/office/powerpoint/2010/main" val="2659555247"/>
       </p:ext>
     </p:extLst>
   </p:cSld>
@@ -6615,7 +6615,7 @@
     </p:spTree>
     <p:extLst>
       <p:ext uri="{BB962C8B-B14F-4D97-AF65-F5344CB8AC3E}">
-        <p14:creationId xmlns:p14="http://schemas.microsoft.com/office/powerpoint/2010/main" xmlns="" val="2659555247"/>
+        <p14:creationId xmlns="" xmlns:p14="http://schemas.microsoft.com/office/powerpoint/2010/main" val="2659555247"/>
       </p:ext>
     </p:extLst>
   </p:cSld>
@@ -6700,7 +6700,7 @@
     </p:spTree>
     <p:extLst>
       <p:ext uri="{BB962C8B-B14F-4D97-AF65-F5344CB8AC3E}">
-        <p14:creationId xmlns:p14="http://schemas.microsoft.com/office/powerpoint/2010/main" xmlns="" val="2659555247"/>
+        <p14:creationId xmlns="" xmlns:p14="http://schemas.microsoft.com/office/powerpoint/2010/main" val="2659555247"/>
       </p:ext>
     </p:extLst>
   </p:cSld>
@@ -6785,7 +6785,7 @@
     </p:spTree>
     <p:extLst>
       <p:ext uri="{BB962C8B-B14F-4D97-AF65-F5344CB8AC3E}">
-        <p14:creationId xmlns:p14="http://schemas.microsoft.com/office/powerpoint/2010/main" xmlns="" val="2659555247"/>
+        <p14:creationId xmlns="" xmlns:p14="http://schemas.microsoft.com/office/powerpoint/2010/main" val="2659555247"/>
       </p:ext>
     </p:extLst>
   </p:cSld>
@@ -6870,7 +6870,7 @@
     </p:spTree>
     <p:extLst>
       <p:ext uri="{BB962C8B-B14F-4D97-AF65-F5344CB8AC3E}">
-        <p14:creationId xmlns:p14="http://schemas.microsoft.com/office/powerpoint/2010/main" xmlns="" val="2659555247"/>
+        <p14:creationId xmlns="" xmlns:p14="http://schemas.microsoft.com/office/powerpoint/2010/main" val="2659555247"/>
       </p:ext>
     </p:extLst>
   </p:cSld>
@@ -6955,7 +6955,7 @@
     </p:spTree>
     <p:extLst>
       <p:ext uri="{BB962C8B-B14F-4D97-AF65-F5344CB8AC3E}">
-        <p14:creationId xmlns:p14="http://schemas.microsoft.com/office/powerpoint/2010/main" xmlns="" val="2659555247"/>
+        <p14:creationId xmlns="" xmlns:p14="http://schemas.microsoft.com/office/powerpoint/2010/main" val="2659555247"/>
       </p:ext>
     </p:extLst>
   </p:cSld>
@@ -7040,7 +7040,7 @@
     </p:spTree>
     <p:extLst>
       <p:ext uri="{BB962C8B-B14F-4D97-AF65-F5344CB8AC3E}">
-        <p14:creationId xmlns:p14="http://schemas.microsoft.com/office/powerpoint/2010/main" xmlns="" val="2659555247"/>
+        <p14:creationId xmlns="" xmlns:p14="http://schemas.microsoft.com/office/powerpoint/2010/main" val="2659555247"/>
       </p:ext>
     </p:extLst>
   </p:cSld>
@@ -7125,7 +7125,7 @@
     </p:spTree>
     <p:extLst>
       <p:ext uri="{BB962C8B-B14F-4D97-AF65-F5344CB8AC3E}">
-        <p14:creationId xmlns:p14="http://schemas.microsoft.com/office/powerpoint/2010/main" xmlns="" val="2659555247"/>
+        <p14:creationId xmlns="" xmlns:p14="http://schemas.microsoft.com/office/powerpoint/2010/main" val="2659555247"/>
       </p:ext>
     </p:extLst>
   </p:cSld>
@@ -7210,7 +7210,7 @@
     </p:spTree>
     <p:extLst>
       <p:ext uri="{BB962C8B-B14F-4D97-AF65-F5344CB8AC3E}">
-        <p14:creationId xmlns:p14="http://schemas.microsoft.com/office/powerpoint/2010/main" xmlns="" val="2659555247"/>
+        <p14:creationId xmlns="" xmlns:p14="http://schemas.microsoft.com/office/powerpoint/2010/main" val="2659555247"/>
       </p:ext>
     </p:extLst>
   </p:cSld>
@@ -7295,7 +7295,7 @@
     </p:spTree>
     <p:extLst>
       <p:ext uri="{BB962C8B-B14F-4D97-AF65-F5344CB8AC3E}">
-        <p14:creationId xmlns:p14="http://schemas.microsoft.com/office/powerpoint/2010/main" xmlns="" val="2659555247"/>
+        <p14:creationId xmlns="" xmlns:p14="http://schemas.microsoft.com/office/powerpoint/2010/main" val="2659555247"/>
       </p:ext>
     </p:extLst>
   </p:cSld>
@@ -7380,7 +7380,7 @@
     </p:spTree>
     <p:extLst>
       <p:ext uri="{BB962C8B-B14F-4D97-AF65-F5344CB8AC3E}">
-        <p14:creationId xmlns:p14="http://schemas.microsoft.com/office/powerpoint/2010/main" xmlns="" val="2659555247"/>
+        <p14:creationId xmlns="" xmlns:p14="http://schemas.microsoft.com/office/powerpoint/2010/main" val="2659555247"/>
       </p:ext>
     </p:extLst>
   </p:cSld>
@@ -7465,7 +7465,7 @@
     </p:spTree>
     <p:extLst>
       <p:ext uri="{BB962C8B-B14F-4D97-AF65-F5344CB8AC3E}">
-        <p14:creationId xmlns:p14="http://schemas.microsoft.com/office/powerpoint/2010/main" xmlns="" val="2659555247"/>
+        <p14:creationId xmlns="" xmlns:p14="http://schemas.microsoft.com/office/powerpoint/2010/main" val="2659555247"/>
       </p:ext>
     </p:extLst>
   </p:cSld>
@@ -7550,7 +7550,7 @@
     </p:spTree>
     <p:extLst>
       <p:ext uri="{BB962C8B-B14F-4D97-AF65-F5344CB8AC3E}">
-        <p14:creationId xmlns:p14="http://schemas.microsoft.com/office/powerpoint/2010/main" xmlns="" val="2659555247"/>
+        <p14:creationId xmlns="" xmlns:p14="http://schemas.microsoft.com/office/powerpoint/2010/main" val="2659555247"/>
       </p:ext>
     </p:extLst>
   </p:cSld>
@@ -7635,7 +7635,7 @@
     </p:spTree>
     <p:extLst>
       <p:ext uri="{BB962C8B-B14F-4D97-AF65-F5344CB8AC3E}">
-        <p14:creationId xmlns:p14="http://schemas.microsoft.com/office/powerpoint/2010/main" xmlns="" val="2659555247"/>
+        <p14:creationId xmlns="" xmlns:p14="http://schemas.microsoft.com/office/powerpoint/2010/main" val="2659555247"/>
       </p:ext>
     </p:extLst>
   </p:cSld>
@@ -7720,7 +7720,7 @@
     </p:spTree>
     <p:extLst>
       <p:ext uri="{BB962C8B-B14F-4D97-AF65-F5344CB8AC3E}">
-        <p14:creationId xmlns:p14="http://schemas.microsoft.com/office/powerpoint/2010/main" xmlns="" val="2659555247"/>
+        <p14:creationId xmlns="" xmlns:p14="http://schemas.microsoft.com/office/powerpoint/2010/main" val="2659555247"/>
       </p:ext>
     </p:extLst>
   </p:cSld>
@@ -7805,7 +7805,7 @@
     </p:spTree>
     <p:extLst>
       <p:ext uri="{BB962C8B-B14F-4D97-AF65-F5344CB8AC3E}">
-        <p14:creationId xmlns:p14="http://schemas.microsoft.com/office/powerpoint/2010/main" xmlns="" val="2659555247"/>
+        <p14:creationId xmlns="" xmlns:p14="http://schemas.microsoft.com/office/powerpoint/2010/main" val="2659555247"/>
       </p:ext>
     </p:extLst>
   </p:cSld>
@@ -7890,7 +7890,7 @@
     </p:spTree>
     <p:extLst>
       <p:ext uri="{BB962C8B-B14F-4D97-AF65-F5344CB8AC3E}">
-        <p14:creationId xmlns:p14="http://schemas.microsoft.com/office/powerpoint/2010/main" xmlns="" val="2659555247"/>
+        <p14:creationId xmlns="" xmlns:p14="http://schemas.microsoft.com/office/powerpoint/2010/main" val="2659555247"/>
       </p:ext>
     </p:extLst>
   </p:cSld>
@@ -7975,7 +7975,7 @@
     </p:spTree>
     <p:extLst>
       <p:ext uri="{BB962C8B-B14F-4D97-AF65-F5344CB8AC3E}">
-        <p14:creationId xmlns:p14="http://schemas.microsoft.com/office/powerpoint/2010/main" xmlns="" val="2659555247"/>
+        <p14:creationId xmlns="" xmlns:p14="http://schemas.microsoft.com/office/powerpoint/2010/main" val="2659555247"/>
       </p:ext>
     </p:extLst>
   </p:cSld>
@@ -8060,7 +8060,7 @@
     </p:spTree>
     <p:extLst>
       <p:ext uri="{BB962C8B-B14F-4D97-AF65-F5344CB8AC3E}">
-        <p14:creationId xmlns:p14="http://schemas.microsoft.com/office/powerpoint/2010/main" xmlns="" val="2659555247"/>
+        <p14:creationId xmlns="" xmlns:p14="http://schemas.microsoft.com/office/powerpoint/2010/main" val="2659555247"/>
       </p:ext>
     </p:extLst>
   </p:cSld>
@@ -8145,7 +8145,7 @@
     </p:spTree>
     <p:extLst>
       <p:ext uri="{BB962C8B-B14F-4D97-AF65-F5344CB8AC3E}">
-        <p14:creationId xmlns:p14="http://schemas.microsoft.com/office/powerpoint/2010/main" xmlns="" val="2659555247"/>
+        <p14:creationId xmlns="" xmlns:p14="http://schemas.microsoft.com/office/powerpoint/2010/main" val="2659555247"/>
       </p:ext>
     </p:extLst>
   </p:cSld>
@@ -8230,7 +8230,7 @@
     </p:spTree>
     <p:extLst>
       <p:ext uri="{BB962C8B-B14F-4D97-AF65-F5344CB8AC3E}">
-        <p14:creationId xmlns:p14="http://schemas.microsoft.com/office/powerpoint/2010/main" xmlns="" val="2659555247"/>
+        <p14:creationId xmlns="" xmlns:p14="http://schemas.microsoft.com/office/powerpoint/2010/main" val="2659555247"/>
       </p:ext>
     </p:extLst>
   </p:cSld>
@@ -8315,7 +8315,7 @@
     </p:spTree>
     <p:extLst>
       <p:ext uri="{BB962C8B-B14F-4D97-AF65-F5344CB8AC3E}">
-        <p14:creationId xmlns:p14="http://schemas.microsoft.com/office/powerpoint/2010/main" xmlns="" val="2659555247"/>
+        <p14:creationId xmlns="" xmlns:p14="http://schemas.microsoft.com/office/powerpoint/2010/main" val="2659555247"/>
       </p:ext>
     </p:extLst>
   </p:cSld>
@@ -8400,7 +8400,7 @@
     </p:spTree>
     <p:extLst>
       <p:ext uri="{BB962C8B-B14F-4D97-AF65-F5344CB8AC3E}">
-        <p14:creationId xmlns:p14="http://schemas.microsoft.com/office/powerpoint/2010/main" xmlns="" val="2659555247"/>
+        <p14:creationId xmlns="" xmlns:p14="http://schemas.microsoft.com/office/powerpoint/2010/main" val="2659555247"/>
       </p:ext>
     </p:extLst>
   </p:cSld>
@@ -8485,7 +8485,7 @@
     </p:spTree>
     <p:extLst>
       <p:ext uri="{BB962C8B-B14F-4D97-AF65-F5344CB8AC3E}">
-        <p14:creationId xmlns="" xmlns:p14="http://schemas.microsoft.com/office/powerpoint/2010/main" val="939565178"/>
+        <p14:creationId xmlns:p14="http://schemas.microsoft.com/office/powerpoint/2010/main" xmlns="" val="939565178"/>
       </p:ext>
     </p:extLst>
   </p:cSld>
@@ -8570,7 +8570,7 @@
     </p:spTree>
     <p:extLst>
       <p:ext uri="{BB962C8B-B14F-4D97-AF65-F5344CB8AC3E}">
-        <p14:creationId xmlns:p14="http://schemas.microsoft.com/office/powerpoint/2010/main" xmlns="" val="2659555247"/>
+        <p14:creationId xmlns="" xmlns:p14="http://schemas.microsoft.com/office/powerpoint/2010/main" val="2659555247"/>
       </p:ext>
     </p:extLst>
   </p:cSld>
@@ -8655,7 +8655,7 @@
     </p:spTree>
     <p:extLst>
       <p:ext uri="{BB962C8B-B14F-4D97-AF65-F5344CB8AC3E}">
-        <p14:creationId xmlns:p14="http://schemas.microsoft.com/office/powerpoint/2010/main" xmlns="" val="2659555247"/>
+        <p14:creationId xmlns="" xmlns:p14="http://schemas.microsoft.com/office/powerpoint/2010/main" val="2659555247"/>
       </p:ext>
     </p:extLst>
   </p:cSld>
@@ -8740,7 +8740,7 @@
     </p:spTree>
     <p:extLst>
       <p:ext uri="{BB962C8B-B14F-4D97-AF65-F5344CB8AC3E}">
-        <p14:creationId xmlns:p14="http://schemas.microsoft.com/office/powerpoint/2010/main" xmlns="" val="2659555247"/>
+        <p14:creationId xmlns="" xmlns:p14="http://schemas.microsoft.com/office/powerpoint/2010/main" val="2659555247"/>
       </p:ext>
     </p:extLst>
   </p:cSld>
@@ -8825,7 +8825,7 @@
     </p:spTree>
     <p:extLst>
       <p:ext uri="{BB962C8B-B14F-4D97-AF65-F5344CB8AC3E}">
-        <p14:creationId xmlns:p14="http://schemas.microsoft.com/office/powerpoint/2010/main" xmlns="" val="2659555247"/>
+        <p14:creationId xmlns="" xmlns:p14="http://schemas.microsoft.com/office/powerpoint/2010/main" val="2659555247"/>
       </p:ext>
     </p:extLst>
   </p:cSld>
@@ -8910,7 +8910,7 @@
     </p:spTree>
     <p:extLst>
       <p:ext uri="{BB962C8B-B14F-4D97-AF65-F5344CB8AC3E}">
-        <p14:creationId xmlns:p14="http://schemas.microsoft.com/office/powerpoint/2010/main" xmlns="" val="2659555247"/>
+        <p14:creationId xmlns="" xmlns:p14="http://schemas.microsoft.com/office/powerpoint/2010/main" val="2659555247"/>
       </p:ext>
     </p:extLst>
   </p:cSld>
@@ -8995,7 +8995,7 @@
     </p:spTree>
     <p:extLst>
       <p:ext uri="{BB962C8B-B14F-4D97-AF65-F5344CB8AC3E}">
-        <p14:creationId xmlns:p14="http://schemas.microsoft.com/office/powerpoint/2010/main" xmlns="" val="2659555247"/>
+        <p14:creationId xmlns="" xmlns:p14="http://schemas.microsoft.com/office/powerpoint/2010/main" val="2659555247"/>
       </p:ext>
     </p:extLst>
   </p:cSld>
@@ -9080,7 +9080,7 @@
     </p:spTree>
     <p:extLst>
       <p:ext uri="{BB962C8B-B14F-4D97-AF65-F5344CB8AC3E}">
-        <p14:creationId xmlns:p14="http://schemas.microsoft.com/office/powerpoint/2010/main" xmlns="" val="2659555247"/>
+        <p14:creationId xmlns="" xmlns:p14="http://schemas.microsoft.com/office/powerpoint/2010/main" val="2659555247"/>
       </p:ext>
     </p:extLst>
   </p:cSld>
@@ -9165,7 +9165,7 @@
     </p:spTree>
     <p:extLst>
       <p:ext uri="{BB962C8B-B14F-4D97-AF65-F5344CB8AC3E}">
-        <p14:creationId xmlns="" xmlns:p14="http://schemas.microsoft.com/office/powerpoint/2010/main" val="939565178"/>
+        <p14:creationId xmlns:p14="http://schemas.microsoft.com/office/powerpoint/2010/main" xmlns="" val="939565178"/>
       </p:ext>
     </p:extLst>
   </p:cSld>
@@ -9250,7 +9250,7 @@
     </p:spTree>
     <p:extLst>
       <p:ext uri="{BB962C8B-B14F-4D97-AF65-F5344CB8AC3E}">
-        <p14:creationId xmlns:p14="http://schemas.microsoft.com/office/powerpoint/2010/main" xmlns="" val="2659555247"/>
+        <p14:creationId xmlns="" xmlns:p14="http://schemas.microsoft.com/office/powerpoint/2010/main" val="2659555247"/>
       </p:ext>
     </p:extLst>
   </p:cSld>
@@ -9335,7 +9335,7 @@
     </p:spTree>
     <p:extLst>
       <p:ext uri="{BB962C8B-B14F-4D97-AF65-F5344CB8AC3E}">
-        <p14:creationId xmlns:p14="http://schemas.microsoft.com/office/powerpoint/2010/main" xmlns="" val="2659555247"/>
+        <p14:creationId xmlns="" xmlns:p14="http://schemas.microsoft.com/office/powerpoint/2010/main" val="2659555247"/>
       </p:ext>
     </p:extLst>
   </p:cSld>
@@ -9420,7 +9420,7 @@
     </p:spTree>
     <p:extLst>
       <p:ext uri="{BB962C8B-B14F-4D97-AF65-F5344CB8AC3E}">
-        <p14:creationId xmlns:p14="http://schemas.microsoft.com/office/powerpoint/2010/main" xmlns="" val="2659555247"/>
+        <p14:creationId xmlns="" xmlns:p14="http://schemas.microsoft.com/office/powerpoint/2010/main" val="2659555247"/>
       </p:ext>
     </p:extLst>
   </p:cSld>
@@ -9505,7 +9505,7 @@
     </p:spTree>
     <p:extLst>
       <p:ext uri="{BB962C8B-B14F-4D97-AF65-F5344CB8AC3E}">
-        <p14:creationId xmlns:p14="http://schemas.microsoft.com/office/powerpoint/2010/main" xmlns="" val="2659555247"/>
+        <p14:creationId xmlns="" xmlns:p14="http://schemas.microsoft.com/office/powerpoint/2010/main" val="2659555247"/>
       </p:ext>
     </p:extLst>
   </p:cSld>
@@ -9590,7 +9590,7 @@
     </p:spTree>
     <p:extLst>
       <p:ext uri="{BB962C8B-B14F-4D97-AF65-F5344CB8AC3E}">
-        <p14:creationId xmlns:p14="http://schemas.microsoft.com/office/powerpoint/2010/main" xmlns="" val="2659555247"/>
+        <p14:creationId xmlns="" xmlns:p14="http://schemas.microsoft.com/office/powerpoint/2010/main" val="2659555247"/>
       </p:ext>
     </p:extLst>
   </p:cSld>
@@ -9675,7 +9675,7 @@
     </p:spTree>
     <p:extLst>
       <p:ext uri="{BB962C8B-B14F-4D97-AF65-F5344CB8AC3E}">
-        <p14:creationId xmlns:p14="http://schemas.microsoft.com/office/powerpoint/2010/main" xmlns="" val="2659555247"/>
+        <p14:creationId xmlns="" xmlns:p14="http://schemas.microsoft.com/office/powerpoint/2010/main" val="2659555247"/>
       </p:ext>
     </p:extLst>
   </p:cSld>
@@ -9760,7 +9760,7 @@
     </p:spTree>
     <p:extLst>
       <p:ext uri="{BB962C8B-B14F-4D97-AF65-F5344CB8AC3E}">
-        <p14:creationId xmlns:p14="http://schemas.microsoft.com/office/powerpoint/2010/main" xmlns="" val="2659555247"/>
+        <p14:creationId xmlns="" xmlns:p14="http://schemas.microsoft.com/office/powerpoint/2010/main" val="2659555247"/>
       </p:ext>
     </p:extLst>
   </p:cSld>
@@ -9845,7 +9845,7 @@
     </p:spTree>
     <p:extLst>
       <p:ext uri="{BB962C8B-B14F-4D97-AF65-F5344CB8AC3E}">
-        <p14:creationId xmlns:p14="http://schemas.microsoft.com/office/powerpoint/2010/main" xmlns="" val="2659555247"/>
+        <p14:creationId xmlns="" xmlns:p14="http://schemas.microsoft.com/office/powerpoint/2010/main" val="2659555247"/>
       </p:ext>
     </p:extLst>
   </p:cSld>
@@ -9930,7 +9930,7 @@
     </p:spTree>
     <p:extLst>
       <p:ext uri="{BB962C8B-B14F-4D97-AF65-F5344CB8AC3E}">
-        <p14:creationId xmlns:p14="http://schemas.microsoft.com/office/powerpoint/2010/main" xmlns="" val="2659555247"/>
+        <p14:creationId xmlns="" xmlns:p14="http://schemas.microsoft.com/office/powerpoint/2010/main" val="2659555247"/>
       </p:ext>
     </p:extLst>
   </p:cSld>
@@ -10015,7 +10015,7 @@
     </p:spTree>
     <p:extLst>
       <p:ext uri="{BB962C8B-B14F-4D97-AF65-F5344CB8AC3E}">
-        <p14:creationId xmlns:p14="http://schemas.microsoft.com/office/powerpoint/2010/main" xmlns="" val="2659555247"/>
+        <p14:creationId xmlns="" xmlns:p14="http://schemas.microsoft.com/office/powerpoint/2010/main" val="2659555247"/>
       </p:ext>
     </p:extLst>
   </p:cSld>
@@ -10100,7 +10100,7 @@
     </p:spTree>
     <p:extLst>
       <p:ext uri="{BB962C8B-B14F-4D97-AF65-F5344CB8AC3E}">
-        <p14:creationId xmlns:p14="http://schemas.microsoft.com/office/powerpoint/2010/main" xmlns="" val="2659555247"/>
+        <p14:creationId xmlns="" xmlns:p14="http://schemas.microsoft.com/office/powerpoint/2010/main" val="2659555247"/>
       </p:ext>
     </p:extLst>
   </p:cSld>
@@ -10185,7 +10185,7 @@
     </p:spTree>
     <p:extLst>
       <p:ext uri="{BB962C8B-B14F-4D97-AF65-F5344CB8AC3E}">
-        <p14:creationId xmlns:p14="http://schemas.microsoft.com/office/powerpoint/2010/main" xmlns="" val="2659555247"/>
+        <p14:creationId xmlns="" xmlns:p14="http://schemas.microsoft.com/office/powerpoint/2010/main" val="2659555247"/>
       </p:ext>
     </p:extLst>
   </p:cSld>
@@ -10270,7 +10270,7 @@
     </p:spTree>
     <p:extLst>
       <p:ext uri="{BB962C8B-B14F-4D97-AF65-F5344CB8AC3E}">
-        <p14:creationId xmlns:p14="http://schemas.microsoft.com/office/powerpoint/2010/main" xmlns="" val="2659555247"/>
+        <p14:creationId xmlns="" xmlns:p14="http://schemas.microsoft.com/office/powerpoint/2010/main" val="2659555247"/>
       </p:ext>
     </p:extLst>
   </p:cSld>
@@ -10355,7 +10355,7 @@
     </p:spTree>
     <p:extLst>
       <p:ext uri="{BB962C8B-B14F-4D97-AF65-F5344CB8AC3E}">
-        <p14:creationId xmlns:p14="http://schemas.microsoft.com/office/powerpoint/2010/main" xmlns="" val="2659555247"/>
+        <p14:creationId xmlns="" xmlns:p14="http://schemas.microsoft.com/office/powerpoint/2010/main" val="2659555247"/>
       </p:ext>
     </p:extLst>
   </p:cSld>
@@ -10440,7 +10440,7 @@
     </p:spTree>
     <p:extLst>
       <p:ext uri="{BB962C8B-B14F-4D97-AF65-F5344CB8AC3E}">
-        <p14:creationId xmlns:p14="http://schemas.microsoft.com/office/powerpoint/2010/main" xmlns="" val="2659555247"/>
+        <p14:creationId xmlns="" xmlns:p14="http://schemas.microsoft.com/office/powerpoint/2010/main" val="2659555247"/>
       </p:ext>
     </p:extLst>
   </p:cSld>
@@ -10525,7 +10525,7 @@
     </p:spTree>
     <p:extLst>
       <p:ext uri="{BB962C8B-B14F-4D97-AF65-F5344CB8AC3E}">
-        <p14:creationId xmlns:p14="http://schemas.microsoft.com/office/powerpoint/2010/main" xmlns="" val="2659555247"/>
+        <p14:creationId xmlns="" xmlns:p14="http://schemas.microsoft.com/office/powerpoint/2010/main" val="2659555247"/>
       </p:ext>
     </p:extLst>
   </p:cSld>
@@ -10610,7 +10610,7 @@
     </p:spTree>
     <p:extLst>
       <p:ext uri="{BB962C8B-B14F-4D97-AF65-F5344CB8AC3E}">
-        <p14:creationId xmlns:p14="http://schemas.microsoft.com/office/powerpoint/2010/main" xmlns="" val="2659555247"/>
+        <p14:creationId xmlns="" xmlns:p14="http://schemas.microsoft.com/office/powerpoint/2010/main" val="2659555247"/>
       </p:ext>
     </p:extLst>
   </p:cSld>
@@ -10695,7 +10695,7 @@
     </p:spTree>
     <p:extLst>
       <p:ext uri="{BB962C8B-B14F-4D97-AF65-F5344CB8AC3E}">
-        <p14:creationId xmlns:p14="http://schemas.microsoft.com/office/powerpoint/2010/main" xmlns="" val="2659555247"/>
+        <p14:creationId xmlns="" xmlns:p14="http://schemas.microsoft.com/office/powerpoint/2010/main" val="2659555247"/>
       </p:ext>
     </p:extLst>
   </p:cSld>
@@ -10780,7 +10780,7 @@
     </p:spTree>
     <p:extLst>
       <p:ext uri="{BB962C8B-B14F-4D97-AF65-F5344CB8AC3E}">
-        <p14:creationId xmlns:p14="http://schemas.microsoft.com/office/powerpoint/2010/main" xmlns="" val="2659555247"/>
+        <p14:creationId xmlns="" xmlns:p14="http://schemas.microsoft.com/office/powerpoint/2010/main" val="2659555247"/>
       </p:ext>
     </p:extLst>
   </p:cSld>
@@ -10865,7 +10865,7 @@
     </p:spTree>
     <p:extLst>
       <p:ext uri="{BB962C8B-B14F-4D97-AF65-F5344CB8AC3E}">
-        <p14:creationId xmlns:p14="http://schemas.microsoft.com/office/powerpoint/2010/main" xmlns="" val="2659555247"/>
+        <p14:creationId xmlns="" xmlns:p14="http://schemas.microsoft.com/office/powerpoint/2010/main" val="2659555247"/>
       </p:ext>
     </p:extLst>
   </p:cSld>
@@ -10950,7 +10950,7 @@
     </p:spTree>
     <p:extLst>
       <p:ext uri="{BB962C8B-B14F-4D97-AF65-F5344CB8AC3E}">
-        <p14:creationId xmlns:p14="http://schemas.microsoft.com/office/powerpoint/2010/main" xmlns="" val="2659555247"/>
+        <p14:creationId xmlns="" xmlns:p14="http://schemas.microsoft.com/office/powerpoint/2010/main" val="2659555247"/>
       </p:ext>
     </p:extLst>
   </p:cSld>
@@ -11035,7 +11035,7 @@
     </p:spTree>
     <p:extLst>
       <p:ext uri="{BB962C8B-B14F-4D97-AF65-F5344CB8AC3E}">
-        <p14:creationId xmlns:p14="http://schemas.microsoft.com/office/powerpoint/2010/main" xmlns="" val="2659555247"/>
+        <p14:creationId xmlns="" xmlns:p14="http://schemas.microsoft.com/office/powerpoint/2010/main" val="2659555247"/>
       </p:ext>
     </p:extLst>
   </p:cSld>
@@ -11120,7 +11120,7 @@
     </p:spTree>
     <p:extLst>
       <p:ext uri="{BB962C8B-B14F-4D97-AF65-F5344CB8AC3E}">
-        <p14:creationId xmlns:p14="http://schemas.microsoft.com/office/powerpoint/2010/main" xmlns="" val="2659555247"/>
+        <p14:creationId xmlns="" xmlns:p14="http://schemas.microsoft.com/office/powerpoint/2010/main" val="2659555247"/>
       </p:ext>
     </p:extLst>
   </p:cSld>
@@ -11205,7 +11205,7 @@
     </p:spTree>
     <p:extLst>
       <p:ext uri="{BB962C8B-B14F-4D97-AF65-F5344CB8AC3E}">
-        <p14:creationId xmlns:p14="http://schemas.microsoft.com/office/powerpoint/2010/main" xmlns="" val="2659555247"/>
+        <p14:creationId xmlns="" xmlns:p14="http://schemas.microsoft.com/office/powerpoint/2010/main" val="2659555247"/>
       </p:ext>
     </p:extLst>
   </p:cSld>
@@ -11290,7 +11290,7 @@
     </p:spTree>
     <p:extLst>
       <p:ext uri="{BB962C8B-B14F-4D97-AF65-F5344CB8AC3E}">
-        <p14:creationId xmlns:p14="http://schemas.microsoft.com/office/powerpoint/2010/main" xmlns="" val="2659555247"/>
+        <p14:creationId xmlns="" xmlns:p14="http://schemas.microsoft.com/office/powerpoint/2010/main" val="2659555247"/>
       </p:ext>
     </p:extLst>
   </p:cSld>
@@ -11375,7 +11375,7 @@
     </p:spTree>
     <p:extLst>
       <p:ext uri="{BB962C8B-B14F-4D97-AF65-F5344CB8AC3E}">
-        <p14:creationId xmlns:p14="http://schemas.microsoft.com/office/powerpoint/2010/main" xmlns="" val="2659555247"/>
+        <p14:creationId xmlns="" xmlns:p14="http://schemas.microsoft.com/office/powerpoint/2010/main" val="2659555247"/>
       </p:ext>
     </p:extLst>
   </p:cSld>
@@ -11460,7 +11460,7 @@
     </p:spTree>
     <p:extLst>
       <p:ext uri="{BB962C8B-B14F-4D97-AF65-F5344CB8AC3E}">
-        <p14:creationId xmlns:p14="http://schemas.microsoft.com/office/powerpoint/2010/main" xmlns="" val="2659555247"/>
+        <p14:creationId xmlns="" xmlns:p14="http://schemas.microsoft.com/office/powerpoint/2010/main" val="2659555247"/>
       </p:ext>
     </p:extLst>
   </p:cSld>
@@ -11545,7 +11545,7 @@
     </p:spTree>
     <p:extLst>
       <p:ext uri="{BB962C8B-B14F-4D97-AF65-F5344CB8AC3E}">
-        <p14:creationId xmlns:p14="http://schemas.microsoft.com/office/powerpoint/2010/main" xmlns="" val="2659555247"/>
+        <p14:creationId xmlns="" xmlns:p14="http://schemas.microsoft.com/office/powerpoint/2010/main" val="2659555247"/>
       </p:ext>
     </p:extLst>
   </p:cSld>
@@ -11630,7 +11630,7 @@
     </p:spTree>
     <p:extLst>
       <p:ext uri="{BB962C8B-B14F-4D97-AF65-F5344CB8AC3E}">
-        <p14:creationId xmlns:p14="http://schemas.microsoft.com/office/powerpoint/2010/main" xmlns="" val="2659555247"/>
+        <p14:creationId xmlns="" xmlns:p14="http://schemas.microsoft.com/office/powerpoint/2010/main" val="2659555247"/>
       </p:ext>
     </p:extLst>
   </p:cSld>
@@ -11715,7 +11715,7 @@
     </p:spTree>
     <p:extLst>
       <p:ext uri="{BB962C8B-B14F-4D97-AF65-F5344CB8AC3E}">
-        <p14:creationId xmlns:p14="http://schemas.microsoft.com/office/powerpoint/2010/main" xmlns="" val="2659555247"/>
+        <p14:creationId xmlns="" xmlns:p14="http://schemas.microsoft.com/office/powerpoint/2010/main" val="2659555247"/>
       </p:ext>
     </p:extLst>
   </p:cSld>
@@ -11800,7 +11800,7 @@
     </p:spTree>
     <p:extLst>
       <p:ext uri="{BB962C8B-B14F-4D97-AF65-F5344CB8AC3E}">
-        <p14:creationId xmlns:p14="http://schemas.microsoft.com/office/powerpoint/2010/main" xmlns="" val="2659555247"/>
+        <p14:creationId xmlns="" xmlns:p14="http://schemas.microsoft.com/office/powerpoint/2010/main" val="2659555247"/>
       </p:ext>
     </p:extLst>
   </p:cSld>
@@ -11885,7 +11885,7 @@
     </p:spTree>
     <p:extLst>
       <p:ext uri="{BB962C8B-B14F-4D97-AF65-F5344CB8AC3E}">
-        <p14:creationId xmlns:p14="http://schemas.microsoft.com/office/powerpoint/2010/main" xmlns="" val="2659555247"/>
+        <p14:creationId xmlns="" xmlns:p14="http://schemas.microsoft.com/office/powerpoint/2010/main" val="2659555247"/>
       </p:ext>
     </p:extLst>
   </p:cSld>
@@ -11970,7 +11970,7 @@
     </p:spTree>
     <p:extLst>
       <p:ext uri="{BB962C8B-B14F-4D97-AF65-F5344CB8AC3E}">
-        <p14:creationId xmlns:p14="http://schemas.microsoft.com/office/powerpoint/2010/main" xmlns="" val="2659555247"/>
+        <p14:creationId xmlns="" xmlns:p14="http://schemas.microsoft.com/office/powerpoint/2010/main" val="2659555247"/>
       </p:ext>
     </p:extLst>
   </p:cSld>
@@ -12055,7 +12055,7 @@
     </p:spTree>
     <p:extLst>
       <p:ext uri="{BB962C8B-B14F-4D97-AF65-F5344CB8AC3E}">
-        <p14:creationId xmlns:p14="http://schemas.microsoft.com/office/powerpoint/2010/main" xmlns="" val="2659555247"/>
+        <p14:creationId xmlns="" xmlns:p14="http://schemas.microsoft.com/office/powerpoint/2010/main" val="2659555247"/>
       </p:ext>
     </p:extLst>
   </p:cSld>
@@ -12140,7 +12140,7 @@
     </p:spTree>
     <p:extLst>
       <p:ext uri="{BB962C8B-B14F-4D97-AF65-F5344CB8AC3E}">
-        <p14:creationId xmlns="" xmlns:p14="http://schemas.microsoft.com/office/powerpoint/2010/main" val="939565178"/>
+        <p14:creationId xmlns:p14="http://schemas.microsoft.com/office/powerpoint/2010/main" xmlns="" val="939565178"/>
       </p:ext>
     </p:extLst>
   </p:cSld>
@@ -12225,7 +12225,7 @@
     </p:spTree>
     <p:extLst>
       <p:ext uri="{BB962C8B-B14F-4D97-AF65-F5344CB8AC3E}">
-        <p14:creationId xmlns:p14="http://schemas.microsoft.com/office/powerpoint/2010/main" xmlns="" val="2659555247"/>
+        <p14:creationId xmlns="" xmlns:p14="http://schemas.microsoft.com/office/powerpoint/2010/main" val="2659555247"/>
       </p:ext>
     </p:extLst>
   </p:cSld>
@@ -12310,7 +12310,7 @@
     </p:spTree>
     <p:extLst>
       <p:ext uri="{BB962C8B-B14F-4D97-AF65-F5344CB8AC3E}">
-        <p14:creationId xmlns:p14="http://schemas.microsoft.com/office/powerpoint/2010/main" xmlns="" val="2659555247"/>
+        <p14:creationId xmlns="" xmlns:p14="http://schemas.microsoft.com/office/powerpoint/2010/main" val="2659555247"/>
       </p:ext>
     </p:extLst>
   </p:cSld>
@@ -12399,7 +12399,7 @@
     </p:spTree>
     <p:extLst>
       <p:ext uri="{BB962C8B-B14F-4D97-AF65-F5344CB8AC3E}">
-        <p14:creationId xmlns:p14="http://schemas.microsoft.com/office/powerpoint/2010/main" xmlns="" val="2659555247"/>
+        <p14:creationId xmlns="" xmlns:p14="http://schemas.microsoft.com/office/powerpoint/2010/main" val="2659555247"/>
       </p:ext>
     </p:extLst>
   </p:cSld>
@@ -12484,7 +12484,7 @@
     </p:spTree>
     <p:extLst>
       <p:ext uri="{BB962C8B-B14F-4D97-AF65-F5344CB8AC3E}">
-        <p14:creationId xmlns:p14="http://schemas.microsoft.com/office/powerpoint/2010/main" xmlns="" val="2659555247"/>
+        <p14:creationId xmlns="" xmlns:p14="http://schemas.microsoft.com/office/powerpoint/2010/main" val="2659555247"/>
       </p:ext>
     </p:extLst>
   </p:cSld>
@@ -12569,7 +12569,7 @@
     </p:spTree>
     <p:extLst>
       <p:ext uri="{BB962C8B-B14F-4D97-AF65-F5344CB8AC3E}">
-        <p14:creationId xmlns:p14="http://schemas.microsoft.com/office/powerpoint/2010/main" xmlns="" val="2659555247"/>
+        <p14:creationId xmlns="" xmlns:p14="http://schemas.microsoft.com/office/powerpoint/2010/main" val="2659555247"/>
       </p:ext>
     </p:extLst>
   </p:cSld>
@@ -12654,7 +12654,7 @@
     </p:spTree>
     <p:extLst>
       <p:ext uri="{BB962C8B-B14F-4D97-AF65-F5344CB8AC3E}">
-        <p14:creationId xmlns:p14="http://schemas.microsoft.com/office/powerpoint/2010/main" xmlns="" val="2659555247"/>
+        <p14:creationId xmlns="" xmlns:p14="http://schemas.microsoft.com/office/powerpoint/2010/main" val="2659555247"/>
       </p:ext>
     </p:extLst>
   </p:cSld>
@@ -12972,7 +12972,7 @@
                 </a:solidFill>
               </a:rPr>
               <a:pPr/>
-              <a:t>9/23/2020</a:t>
+              <a:t>9/25/2020</a:t>
             </a:fld>
             <a:endParaRPr kumimoji="0" lang="en-US" dirty="0"/>
           </a:p>
@@ -13363,7 +13363,7 @@
                 </a:solidFill>
               </a:rPr>
               <a:pPr/>
-              <a:t>9/23/2020</a:t>
+              <a:t>9/25/2020</a:t>
             </a:fld>
             <a:endParaRPr kumimoji="0" lang="en-US" dirty="0"/>
           </a:p>
@@ -13698,7 +13698,7 @@
                 </a:solidFill>
               </a:rPr>
               <a:pPr/>
-              <a:t>9/23/2020</a:t>
+              <a:t>9/25/2020</a:t>
             </a:fld>
             <a:endParaRPr kumimoji="0" lang="en-US" dirty="0"/>
           </a:p>
@@ -14274,7 +14274,7 @@
                 </a:solidFill>
               </a:rPr>
               <a:pPr/>
-              <a:t>9/23/2020</a:t>
+              <a:t>9/25/2020</a:t>
             </a:fld>
             <a:endParaRPr kumimoji="0" lang="en-US" dirty="0"/>
           </a:p>
@@ -14838,7 +14838,7 @@
                 </a:solidFill>
               </a:rPr>
               <a:pPr/>
-              <a:t>9/23/2020</a:t>
+              <a:t>9/25/2020</a:t>
             </a:fld>
             <a:endParaRPr kumimoji="0" lang="en-US" dirty="0"/>
           </a:p>
@@ -15297,7 +15297,7 @@
                 </a:solidFill>
               </a:rPr>
               <a:pPr/>
-              <a:t>9/23/2020</a:t>
+              <a:t>9/25/2020</a:t>
             </a:fld>
             <a:endParaRPr kumimoji="0" lang="en-US" dirty="0"/>
           </a:p>
@@ -15721,7 +15721,7 @@
                 </a:solidFill>
               </a:rPr>
               <a:pPr/>
-              <a:t>9/23/2020</a:t>
+              <a:t>9/25/2020</a:t>
             </a:fld>
             <a:endParaRPr kumimoji="0" lang="en-US" dirty="0"/>
           </a:p>
@@ -16225,7 +16225,7 @@
                 </a:solidFill>
               </a:rPr>
               <a:pPr/>
-              <a:t>9/23/2020</a:t>
+              <a:t>9/25/2020</a:t>
             </a:fld>
             <a:endParaRPr kumimoji="0" lang="en-US" dirty="0"/>
           </a:p>
@@ -16729,7 +16729,7 @@
                 </a:solidFill>
               </a:rPr>
               <a:pPr/>
-              <a:t>9/23/2020</a:t>
+              <a:t>9/25/2020</a:t>
             </a:fld>
             <a:endParaRPr kumimoji="0" lang="en-US" dirty="0"/>
           </a:p>
@@ -16945,7 +16945,7 @@
                 </a:solidFill>
               </a:rPr>
               <a:pPr/>
-              <a:t>9/23/2020</a:t>
+              <a:t>9/25/2020</a:t>
             </a:fld>
             <a:endParaRPr kumimoji="0" lang="en-US" dirty="0"/>
           </a:p>
@@ -17273,7 +17273,7 @@
                 </a:solidFill>
               </a:rPr>
               <a:pPr/>
-              <a:t>9/23/2020</a:t>
+              <a:t>9/25/2020</a:t>
             </a:fld>
             <a:endParaRPr kumimoji="0" lang="en-US" dirty="0"/>
           </a:p>
@@ -17499,7 +17499,7 @@
                 </a:solidFill>
               </a:rPr>
               <a:pPr/>
-              <a:t>9/23/2020</a:t>
+              <a:t>9/25/2020</a:t>
             </a:fld>
             <a:endParaRPr kumimoji="0" lang="en-US" dirty="0"/>
           </a:p>
@@ -17718,7 +17718,7 @@
                 </a:solidFill>
               </a:rPr>
               <a:pPr/>
-              <a:t>9/23/2020</a:t>
+              <a:t>9/25/2020</a:t>
             </a:fld>
             <a:endParaRPr kumimoji="0" lang="en-US" dirty="0"/>
           </a:p>
@@ -17894,7 +17894,7 @@
             <a:fld id="{ACB2EC6F-6501-4E04-BD6C-A8A6CABB2C5B}" type="datetimeFigureOut">
               <a:rPr kumimoji="0" lang="en-US" smtClean="0"/>
               <a:pPr/>
-              <a:t>9/23/2020</a:t>
+              <a:t>9/25/2020</a:t>
             </a:fld>
             <a:endParaRPr kumimoji="0" lang="en-US" dirty="0"/>
           </a:p>
@@ -18139,7 +18139,7 @@
                 </a:solidFill>
               </a:rPr>
               <a:pPr/>
-              <a:t>9/23/2020</a:t>
+              <a:t>9/25/2020</a:t>
             </a:fld>
             <a:endParaRPr kumimoji="0" lang="en-US" dirty="0"/>
           </a:p>
@@ -18611,7 +18611,7 @@
                 </a:solidFill>
               </a:rPr>
               <a:pPr/>
-              <a:t>9/23/2020</a:t>
+              <a:t>9/25/2020</a:t>
             </a:fld>
             <a:endParaRPr kumimoji="0" lang="en-US" dirty="0"/>
           </a:p>
@@ -18963,7 +18963,7 @@
                 </a:solidFill>
               </a:rPr>
               <a:pPr/>
-              <a:t>9/23/2020</a:t>
+              <a:t>9/25/2020</a:t>
             </a:fld>
             <a:endParaRPr kumimoji="0" lang="en-US" dirty="0"/>
           </a:p>
@@ -19321,7 +19321,7 @@
                 </a:solidFill>
               </a:rPr>
               <a:pPr/>
-              <a:t>9/23/2020</a:t>
+              <a:t>9/25/2020</a:t>
             </a:fld>
             <a:endParaRPr kumimoji="0" lang="en-US" dirty="0"/>
           </a:p>
@@ -19626,7 +19626,7 @@
                 </a:solidFill>
               </a:rPr>
               <a:pPr/>
-              <a:t>9/23/2020</a:t>
+              <a:t>9/25/2020</a:t>
             </a:fld>
             <a:endParaRPr kumimoji="0" lang="en-US" dirty="0"/>
           </a:p>
@@ -20102,7 +20102,7 @@
                 </a:solidFill>
               </a:rPr>
               <a:pPr/>
-              <a:t>9/23/2020</a:t>
+              <a:t>9/25/2020</a:t>
             </a:fld>
             <a:endParaRPr kumimoji="0" lang="en-US" dirty="0"/>
           </a:p>
@@ -20339,7 +20339,7 @@
                 </a:solidFill>
               </a:rPr>
               <a:pPr/>
-              <a:t>9/23/2020</a:t>
+              <a:t>9/25/2020</a:t>
             </a:fld>
             <a:endParaRPr kumimoji="0" lang="en-US" sz="1200" dirty="0">
               <a:solidFill>
@@ -21259,7 +21259,7 @@
     </p:spTree>
     <p:extLst>
       <p:ext uri="{BB962C8B-B14F-4D97-AF65-F5344CB8AC3E}">
-        <p14:creationId xmlns:p14="http://schemas.microsoft.com/office/powerpoint/2010/main" xmlns="" val="522405798"/>
+        <p14:creationId xmlns="" xmlns:p14="http://schemas.microsoft.com/office/powerpoint/2010/main" val="522405798"/>
       </p:ext>
     </p:extLst>
   </p:cSld>
@@ -21458,7 +21458,7 @@
     </p:spTree>
     <p:extLst>
       <p:ext uri="{BB962C8B-B14F-4D97-AF65-F5344CB8AC3E}">
-        <p14:creationId xmlns:p14="http://schemas.microsoft.com/office/powerpoint/2010/main" xmlns="" val="522405798"/>
+        <p14:creationId xmlns="" xmlns:p14="http://schemas.microsoft.com/office/powerpoint/2010/main" val="522405798"/>
       </p:ext>
     </p:extLst>
   </p:cSld>
@@ -21640,7 +21640,7 @@
     </p:spTree>
     <p:extLst>
       <p:ext uri="{BB962C8B-B14F-4D97-AF65-F5344CB8AC3E}">
-        <p14:creationId xmlns:p14="http://schemas.microsoft.com/office/powerpoint/2010/main" xmlns="" val="522405798"/>
+        <p14:creationId xmlns="" xmlns:p14="http://schemas.microsoft.com/office/powerpoint/2010/main" val="522405798"/>
       </p:ext>
     </p:extLst>
   </p:cSld>
@@ -21772,7 +21772,7 @@
     </p:spTree>
     <p:extLst>
       <p:ext uri="{BB962C8B-B14F-4D97-AF65-F5344CB8AC3E}">
-        <p14:creationId xmlns:p14="http://schemas.microsoft.com/office/powerpoint/2010/main" xmlns="" val="522405798"/>
+        <p14:creationId xmlns="" xmlns:p14="http://schemas.microsoft.com/office/powerpoint/2010/main" val="522405798"/>
       </p:ext>
     </p:extLst>
   </p:cSld>
@@ -21936,7 +21936,7 @@
     </p:spTree>
     <p:extLst>
       <p:ext uri="{BB962C8B-B14F-4D97-AF65-F5344CB8AC3E}">
-        <p14:creationId xmlns:p14="http://schemas.microsoft.com/office/powerpoint/2010/main" xmlns="" val="522405798"/>
+        <p14:creationId xmlns="" xmlns:p14="http://schemas.microsoft.com/office/powerpoint/2010/main" val="522405798"/>
       </p:ext>
     </p:extLst>
   </p:cSld>
@@ -22100,7 +22100,7 @@
     </p:spTree>
     <p:extLst>
       <p:ext uri="{BB962C8B-B14F-4D97-AF65-F5344CB8AC3E}">
-        <p14:creationId xmlns:p14="http://schemas.microsoft.com/office/powerpoint/2010/main" xmlns="" val="522405798"/>
+        <p14:creationId xmlns="" xmlns:p14="http://schemas.microsoft.com/office/powerpoint/2010/main" val="522405798"/>
       </p:ext>
     </p:extLst>
   </p:cSld>
@@ -22264,7 +22264,7 @@
     </p:spTree>
     <p:extLst>
       <p:ext uri="{BB962C8B-B14F-4D97-AF65-F5344CB8AC3E}">
-        <p14:creationId xmlns:p14="http://schemas.microsoft.com/office/powerpoint/2010/main" xmlns="" val="522405798"/>
+        <p14:creationId xmlns="" xmlns:p14="http://schemas.microsoft.com/office/powerpoint/2010/main" val="522405798"/>
       </p:ext>
     </p:extLst>
   </p:cSld>
@@ -22428,7 +22428,7 @@
     </p:spTree>
     <p:extLst>
       <p:ext uri="{BB962C8B-B14F-4D97-AF65-F5344CB8AC3E}">
-        <p14:creationId xmlns:p14="http://schemas.microsoft.com/office/powerpoint/2010/main" xmlns="" val="522405798"/>
+        <p14:creationId xmlns="" xmlns:p14="http://schemas.microsoft.com/office/powerpoint/2010/main" val="522405798"/>
       </p:ext>
     </p:extLst>
   </p:cSld>
@@ -22592,7 +22592,7 @@
     </p:spTree>
     <p:extLst>
       <p:ext uri="{BB962C8B-B14F-4D97-AF65-F5344CB8AC3E}">
-        <p14:creationId xmlns:p14="http://schemas.microsoft.com/office/powerpoint/2010/main" xmlns="" val="522405798"/>
+        <p14:creationId xmlns="" xmlns:p14="http://schemas.microsoft.com/office/powerpoint/2010/main" val="522405798"/>
       </p:ext>
     </p:extLst>
   </p:cSld>
@@ -22756,7 +22756,7 @@
     </p:spTree>
     <p:extLst>
       <p:ext uri="{BB962C8B-B14F-4D97-AF65-F5344CB8AC3E}">
-        <p14:creationId xmlns:p14="http://schemas.microsoft.com/office/powerpoint/2010/main" xmlns="" val="522405798"/>
+        <p14:creationId xmlns="" xmlns:p14="http://schemas.microsoft.com/office/powerpoint/2010/main" val="522405798"/>
       </p:ext>
     </p:extLst>
   </p:cSld>
@@ -22920,7 +22920,7 @@
     </p:spTree>
     <p:extLst>
       <p:ext uri="{BB962C8B-B14F-4D97-AF65-F5344CB8AC3E}">
-        <p14:creationId xmlns:p14="http://schemas.microsoft.com/office/powerpoint/2010/main" xmlns="" val="522405798"/>
+        <p14:creationId xmlns="" xmlns:p14="http://schemas.microsoft.com/office/powerpoint/2010/main" val="522405798"/>
       </p:ext>
     </p:extLst>
   </p:cSld>
@@ -23084,7 +23084,7 @@
     </p:spTree>
     <p:extLst>
       <p:ext uri="{BB962C8B-B14F-4D97-AF65-F5344CB8AC3E}">
-        <p14:creationId xmlns:p14="http://schemas.microsoft.com/office/powerpoint/2010/main" xmlns="" val="522405798"/>
+        <p14:creationId xmlns="" xmlns:p14="http://schemas.microsoft.com/office/powerpoint/2010/main" val="522405798"/>
       </p:ext>
     </p:extLst>
   </p:cSld>
@@ -23266,7 +23266,7 @@
     </p:spTree>
     <p:extLst>
       <p:ext uri="{BB962C8B-B14F-4D97-AF65-F5344CB8AC3E}">
-        <p14:creationId xmlns:p14="http://schemas.microsoft.com/office/powerpoint/2010/main" xmlns="" val="522405798"/>
+        <p14:creationId xmlns="" xmlns:p14="http://schemas.microsoft.com/office/powerpoint/2010/main" val="522405798"/>
       </p:ext>
     </p:extLst>
   </p:cSld>
@@ -23430,7 +23430,7 @@
     </p:spTree>
     <p:extLst>
       <p:ext uri="{BB962C8B-B14F-4D97-AF65-F5344CB8AC3E}">
-        <p14:creationId xmlns:p14="http://schemas.microsoft.com/office/powerpoint/2010/main" xmlns="" val="522405798"/>
+        <p14:creationId xmlns="" xmlns:p14="http://schemas.microsoft.com/office/powerpoint/2010/main" val="522405798"/>
       </p:ext>
     </p:extLst>
   </p:cSld>
@@ -23594,7 +23594,7 @@
     </p:spTree>
     <p:extLst>
       <p:ext uri="{BB962C8B-B14F-4D97-AF65-F5344CB8AC3E}">
-        <p14:creationId xmlns:p14="http://schemas.microsoft.com/office/powerpoint/2010/main" xmlns="" val="522405798"/>
+        <p14:creationId xmlns="" xmlns:p14="http://schemas.microsoft.com/office/powerpoint/2010/main" val="522405798"/>
       </p:ext>
     </p:extLst>
   </p:cSld>
@@ -23758,7 +23758,7 @@
     </p:spTree>
     <p:extLst>
       <p:ext uri="{BB962C8B-B14F-4D97-AF65-F5344CB8AC3E}">
-        <p14:creationId xmlns:p14="http://schemas.microsoft.com/office/powerpoint/2010/main" xmlns="" val="522405798"/>
+        <p14:creationId xmlns="" xmlns:p14="http://schemas.microsoft.com/office/powerpoint/2010/main" val="522405798"/>
       </p:ext>
     </p:extLst>
   </p:cSld>
@@ -23922,7 +23922,7 @@
     </p:spTree>
     <p:extLst>
       <p:ext uri="{BB962C8B-B14F-4D97-AF65-F5344CB8AC3E}">
-        <p14:creationId xmlns:p14="http://schemas.microsoft.com/office/powerpoint/2010/main" xmlns="" val="522405798"/>
+        <p14:creationId xmlns="" xmlns:p14="http://schemas.microsoft.com/office/powerpoint/2010/main" val="522405798"/>
       </p:ext>
     </p:extLst>
   </p:cSld>
@@ -24054,7 +24054,7 @@
     </p:spTree>
     <p:extLst>
       <p:ext uri="{BB962C8B-B14F-4D97-AF65-F5344CB8AC3E}">
-        <p14:creationId xmlns:p14="http://schemas.microsoft.com/office/powerpoint/2010/main" xmlns="" val="522405798"/>
+        <p14:creationId xmlns="" xmlns:p14="http://schemas.microsoft.com/office/powerpoint/2010/main" val="522405798"/>
       </p:ext>
     </p:extLst>
   </p:cSld>
@@ -24297,7 +24297,7 @@
     </p:spTree>
     <p:extLst>
       <p:ext uri="{BB962C8B-B14F-4D97-AF65-F5344CB8AC3E}">
-        <p14:creationId xmlns:p14="http://schemas.microsoft.com/office/powerpoint/2010/main" xmlns="" val="522405798"/>
+        <p14:creationId xmlns="" xmlns:p14="http://schemas.microsoft.com/office/powerpoint/2010/main" val="522405798"/>
       </p:ext>
     </p:extLst>
   </p:cSld>
@@ -24429,7 +24429,7 @@
     </p:spTree>
     <p:extLst>
       <p:ext uri="{BB962C8B-B14F-4D97-AF65-F5344CB8AC3E}">
-        <p14:creationId xmlns:p14="http://schemas.microsoft.com/office/powerpoint/2010/main" xmlns="" val="522405798"/>
+        <p14:creationId xmlns="" xmlns:p14="http://schemas.microsoft.com/office/powerpoint/2010/main" val="522405798"/>
       </p:ext>
     </p:extLst>
   </p:cSld>
@@ -24745,7 +24745,7 @@
     </p:spTree>
     <p:extLst>
       <p:ext uri="{BB962C8B-B14F-4D97-AF65-F5344CB8AC3E}">
-        <p14:creationId xmlns:p14="http://schemas.microsoft.com/office/powerpoint/2010/main" xmlns="" val="522405798"/>
+        <p14:creationId xmlns="" xmlns:p14="http://schemas.microsoft.com/office/powerpoint/2010/main" val="522405798"/>
       </p:ext>
     </p:extLst>
   </p:cSld>
@@ -24970,7 +24970,7 @@
     </p:spTree>
     <p:extLst>
       <p:ext uri="{BB962C8B-B14F-4D97-AF65-F5344CB8AC3E}">
-        <p14:creationId xmlns:p14="http://schemas.microsoft.com/office/powerpoint/2010/main" xmlns="" val="522405798"/>
+        <p14:creationId xmlns="" xmlns:p14="http://schemas.microsoft.com/office/powerpoint/2010/main" val="522405798"/>
       </p:ext>
     </p:extLst>
   </p:cSld>
@@ -25362,7 +25362,7 @@
     </p:spTree>
     <p:extLst>
       <p:ext uri="{BB962C8B-B14F-4D97-AF65-F5344CB8AC3E}">
-        <p14:creationId xmlns:p14="http://schemas.microsoft.com/office/powerpoint/2010/main" xmlns="" val="522405798"/>
+        <p14:creationId xmlns="" xmlns:p14="http://schemas.microsoft.com/office/powerpoint/2010/main" val="522405798"/>
       </p:ext>
     </p:extLst>
   </p:cSld>
@@ -25512,7 +25512,7 @@
     </p:spTree>
     <p:extLst>
       <p:ext uri="{BB962C8B-B14F-4D97-AF65-F5344CB8AC3E}">
-        <p14:creationId xmlns:p14="http://schemas.microsoft.com/office/powerpoint/2010/main" xmlns="" val="522405798"/>
+        <p14:creationId xmlns="" xmlns:p14="http://schemas.microsoft.com/office/powerpoint/2010/main" val="522405798"/>
       </p:ext>
     </p:extLst>
   </p:cSld>
@@ -25644,7 +25644,7 @@
     </p:spTree>
     <p:extLst>
       <p:ext uri="{BB962C8B-B14F-4D97-AF65-F5344CB8AC3E}">
-        <p14:creationId xmlns:p14="http://schemas.microsoft.com/office/powerpoint/2010/main" xmlns="" val="522405798"/>
+        <p14:creationId xmlns="" xmlns:p14="http://schemas.microsoft.com/office/powerpoint/2010/main" val="522405798"/>
       </p:ext>
     </p:extLst>
   </p:cSld>
@@ -25832,7 +25832,7 @@
     </p:spTree>
     <p:extLst>
       <p:ext uri="{BB962C8B-B14F-4D97-AF65-F5344CB8AC3E}">
-        <p14:creationId xmlns:p14="http://schemas.microsoft.com/office/powerpoint/2010/main" xmlns="" val="522405798"/>
+        <p14:creationId xmlns="" xmlns:p14="http://schemas.microsoft.com/office/powerpoint/2010/main" val="522405798"/>
       </p:ext>
     </p:extLst>
   </p:cSld>
@@ -26054,7 +26054,7 @@
     </p:spTree>
     <p:extLst>
       <p:ext uri="{BB962C8B-B14F-4D97-AF65-F5344CB8AC3E}">
-        <p14:creationId xmlns:p14="http://schemas.microsoft.com/office/powerpoint/2010/main" xmlns="" val="522405798"/>
+        <p14:creationId xmlns="" xmlns:p14="http://schemas.microsoft.com/office/powerpoint/2010/main" val="522405798"/>
       </p:ext>
     </p:extLst>
   </p:cSld>
@@ -26221,7 +26221,7 @@
     </p:spTree>
     <p:extLst>
       <p:ext uri="{BB962C8B-B14F-4D97-AF65-F5344CB8AC3E}">
-        <p14:creationId xmlns:p14="http://schemas.microsoft.com/office/powerpoint/2010/main" xmlns="" val="522405798"/>
+        <p14:creationId xmlns="" xmlns:p14="http://schemas.microsoft.com/office/powerpoint/2010/main" val="522405798"/>
       </p:ext>
     </p:extLst>
   </p:cSld>
@@ -26402,7 +26402,7 @@
     </p:spTree>
     <p:extLst>
       <p:ext uri="{BB962C8B-B14F-4D97-AF65-F5344CB8AC3E}">
-        <p14:creationId xmlns:p14="http://schemas.microsoft.com/office/powerpoint/2010/main" xmlns="" val="522405798"/>
+        <p14:creationId xmlns="" xmlns:p14="http://schemas.microsoft.com/office/powerpoint/2010/main" val="522405798"/>
       </p:ext>
     </p:extLst>
   </p:cSld>
@@ -26624,7 +26624,7 @@
     </p:spTree>
     <p:extLst>
       <p:ext uri="{BB962C8B-B14F-4D97-AF65-F5344CB8AC3E}">
-        <p14:creationId xmlns:p14="http://schemas.microsoft.com/office/powerpoint/2010/main" xmlns="" val="522405798"/>
+        <p14:creationId xmlns="" xmlns:p14="http://schemas.microsoft.com/office/powerpoint/2010/main" val="522405798"/>
       </p:ext>
     </p:extLst>
   </p:cSld>
@@ -26843,7 +26843,7 @@
     </p:spTree>
     <p:extLst>
       <p:ext uri="{BB962C8B-B14F-4D97-AF65-F5344CB8AC3E}">
-        <p14:creationId xmlns:p14="http://schemas.microsoft.com/office/powerpoint/2010/main" xmlns="" val="522405798"/>
+        <p14:creationId xmlns="" xmlns:p14="http://schemas.microsoft.com/office/powerpoint/2010/main" val="522405798"/>
       </p:ext>
     </p:extLst>
   </p:cSld>
@@ -26938,7 +26938,7 @@
     </p:spTree>
     <p:extLst>
       <p:ext uri="{BB962C8B-B14F-4D97-AF65-F5344CB8AC3E}">
-        <p14:creationId xmlns="" xmlns:p14="http://schemas.microsoft.com/office/powerpoint/2010/main" val="3907764274"/>
+        <p14:creationId xmlns:p14="http://schemas.microsoft.com/office/powerpoint/2010/main" xmlns="" val="3907764274"/>
       </p:ext>
     </p:extLst>
   </p:cSld>
@@ -27128,7 +27128,7 @@
     </p:spTree>
     <p:extLst>
       <p:ext uri="{BB962C8B-B14F-4D97-AF65-F5344CB8AC3E}">
-        <p14:creationId xmlns:p14="http://schemas.microsoft.com/office/powerpoint/2010/main" xmlns="" val="522405798"/>
+        <p14:creationId xmlns="" xmlns:p14="http://schemas.microsoft.com/office/powerpoint/2010/main" val="522405798"/>
       </p:ext>
     </p:extLst>
   </p:cSld>
@@ -27376,7 +27376,7 @@
     </p:spTree>
     <p:extLst>
       <p:ext uri="{BB962C8B-B14F-4D97-AF65-F5344CB8AC3E}">
-        <p14:creationId xmlns:p14="http://schemas.microsoft.com/office/powerpoint/2010/main" xmlns="" val="522405798"/>
+        <p14:creationId xmlns="" xmlns:p14="http://schemas.microsoft.com/office/powerpoint/2010/main" val="522405798"/>
       </p:ext>
     </p:extLst>
   </p:cSld>
@@ -27717,7 +27717,7 @@
     </p:spTree>
     <p:extLst>
       <p:ext uri="{BB962C8B-B14F-4D97-AF65-F5344CB8AC3E}">
-        <p14:creationId xmlns:p14="http://schemas.microsoft.com/office/powerpoint/2010/main" xmlns="" val="522405798"/>
+        <p14:creationId xmlns="" xmlns:p14="http://schemas.microsoft.com/office/powerpoint/2010/main" val="522405798"/>
       </p:ext>
     </p:extLst>
   </p:cSld>
@@ -27911,7 +27911,7 @@
     </p:spTree>
     <p:extLst>
       <p:ext uri="{BB962C8B-B14F-4D97-AF65-F5344CB8AC3E}">
-        <p14:creationId xmlns:p14="http://schemas.microsoft.com/office/powerpoint/2010/main" xmlns="" val="522405798"/>
+        <p14:creationId xmlns="" xmlns:p14="http://schemas.microsoft.com/office/powerpoint/2010/main" val="522405798"/>
       </p:ext>
     </p:extLst>
   </p:cSld>
@@ -28152,7 +28152,7 @@
     </p:spTree>
     <p:extLst>
       <p:ext uri="{BB962C8B-B14F-4D97-AF65-F5344CB8AC3E}">
-        <p14:creationId xmlns:p14="http://schemas.microsoft.com/office/powerpoint/2010/main" xmlns="" val="522405798"/>
+        <p14:creationId xmlns="" xmlns:p14="http://schemas.microsoft.com/office/powerpoint/2010/main" val="522405798"/>
       </p:ext>
     </p:extLst>
   </p:cSld>
@@ -28370,7 +28370,7 @@
     </p:spTree>
     <p:extLst>
       <p:ext uri="{BB962C8B-B14F-4D97-AF65-F5344CB8AC3E}">
-        <p14:creationId xmlns:p14="http://schemas.microsoft.com/office/powerpoint/2010/main" xmlns="" val="522405798"/>
+        <p14:creationId xmlns="" xmlns:p14="http://schemas.microsoft.com/office/powerpoint/2010/main" val="522405798"/>
       </p:ext>
     </p:extLst>
   </p:cSld>
@@ -28588,7 +28588,7 @@
     </p:spTree>
     <p:extLst>
       <p:ext uri="{BB962C8B-B14F-4D97-AF65-F5344CB8AC3E}">
-        <p14:creationId xmlns:p14="http://schemas.microsoft.com/office/powerpoint/2010/main" xmlns="" val="522405798"/>
+        <p14:creationId xmlns="" xmlns:p14="http://schemas.microsoft.com/office/powerpoint/2010/main" val="522405798"/>
       </p:ext>
     </p:extLst>
   </p:cSld>
@@ -29032,7 +29032,7 @@
     </p:spTree>
     <p:extLst>
       <p:ext uri="{BB962C8B-B14F-4D97-AF65-F5344CB8AC3E}">
-        <p14:creationId xmlns:p14="http://schemas.microsoft.com/office/powerpoint/2010/main" xmlns="" val="522405798"/>
+        <p14:creationId xmlns="" xmlns:p14="http://schemas.microsoft.com/office/powerpoint/2010/main" val="522405798"/>
       </p:ext>
     </p:extLst>
   </p:cSld>
@@ -29384,7 +29384,7 @@
     </p:spTree>
     <p:extLst>
       <p:ext uri="{BB962C8B-B14F-4D97-AF65-F5344CB8AC3E}">
-        <p14:creationId xmlns:p14="http://schemas.microsoft.com/office/powerpoint/2010/main" xmlns="" val="522405798"/>
+        <p14:creationId xmlns="" xmlns:p14="http://schemas.microsoft.com/office/powerpoint/2010/main" val="522405798"/>
       </p:ext>
     </p:extLst>
   </p:cSld>
@@ -29660,7 +29660,7 @@
     </p:spTree>
     <p:extLst>
       <p:ext uri="{BB962C8B-B14F-4D97-AF65-F5344CB8AC3E}">
-        <p14:creationId xmlns:p14="http://schemas.microsoft.com/office/powerpoint/2010/main" xmlns="" val="522405798"/>
+        <p14:creationId xmlns="" xmlns:p14="http://schemas.microsoft.com/office/powerpoint/2010/main" val="522405798"/>
       </p:ext>
     </p:extLst>
   </p:cSld>
@@ -29908,7 +29908,7 @@
     </p:spTree>
     <p:extLst>
       <p:ext uri="{BB962C8B-B14F-4D97-AF65-F5344CB8AC3E}">
-        <p14:creationId xmlns:p14="http://schemas.microsoft.com/office/powerpoint/2010/main" xmlns="" val="522405798"/>
+        <p14:creationId xmlns="" xmlns:p14="http://schemas.microsoft.com/office/powerpoint/2010/main" val="522405798"/>
       </p:ext>
     </p:extLst>
   </p:cSld>
@@ -30066,7 +30066,7 @@
     </p:spTree>
     <p:extLst>
       <p:ext uri="{BB962C8B-B14F-4D97-AF65-F5344CB8AC3E}">
-        <p14:creationId xmlns:p14="http://schemas.microsoft.com/office/powerpoint/2010/main" xmlns="" val="522405798"/>
+        <p14:creationId xmlns="" xmlns:p14="http://schemas.microsoft.com/office/powerpoint/2010/main" val="522405798"/>
       </p:ext>
     </p:extLst>
   </p:cSld>
@@ -30224,7 +30224,7 @@
     </p:spTree>
     <p:extLst>
       <p:ext uri="{BB962C8B-B14F-4D97-AF65-F5344CB8AC3E}">
-        <p14:creationId xmlns:p14="http://schemas.microsoft.com/office/powerpoint/2010/main" xmlns="" val="522405798"/>
+        <p14:creationId xmlns="" xmlns:p14="http://schemas.microsoft.com/office/powerpoint/2010/main" val="522405798"/>
       </p:ext>
     </p:extLst>
   </p:cSld>
@@ -30515,7 +30515,7 @@
     </p:spTree>
     <p:extLst>
       <p:ext uri="{BB962C8B-B14F-4D97-AF65-F5344CB8AC3E}">
-        <p14:creationId xmlns:p14="http://schemas.microsoft.com/office/powerpoint/2010/main" xmlns="" val="522405798"/>
+        <p14:creationId xmlns="" xmlns:p14="http://schemas.microsoft.com/office/powerpoint/2010/main" val="522405798"/>
       </p:ext>
     </p:extLst>
   </p:cSld>
@@ -30744,7 +30744,7 @@
     </p:spTree>
     <p:extLst>
       <p:ext uri="{BB962C8B-B14F-4D97-AF65-F5344CB8AC3E}">
-        <p14:creationId xmlns:p14="http://schemas.microsoft.com/office/powerpoint/2010/main" xmlns="" val="522405798"/>
+        <p14:creationId xmlns="" xmlns:p14="http://schemas.microsoft.com/office/powerpoint/2010/main" val="522405798"/>
       </p:ext>
     </p:extLst>
   </p:cSld>
@@ -30894,7 +30894,7 @@
     </p:spTree>
     <p:extLst>
       <p:ext uri="{BB962C8B-B14F-4D97-AF65-F5344CB8AC3E}">
-        <p14:creationId xmlns:p14="http://schemas.microsoft.com/office/powerpoint/2010/main" xmlns="" val="522405798"/>
+        <p14:creationId xmlns="" xmlns:p14="http://schemas.microsoft.com/office/powerpoint/2010/main" val="522405798"/>
       </p:ext>
     </p:extLst>
   </p:cSld>
@@ -31110,7 +31110,7 @@
     </p:spTree>
     <p:extLst>
       <p:ext uri="{BB962C8B-B14F-4D97-AF65-F5344CB8AC3E}">
-        <p14:creationId xmlns:p14="http://schemas.microsoft.com/office/powerpoint/2010/main" xmlns="" val="522405798"/>
+        <p14:creationId xmlns="" xmlns:p14="http://schemas.microsoft.com/office/powerpoint/2010/main" val="522405798"/>
       </p:ext>
     </p:extLst>
   </p:cSld>
@@ -31324,7 +31324,7 @@
     </p:spTree>
     <p:extLst>
       <p:ext uri="{BB962C8B-B14F-4D97-AF65-F5344CB8AC3E}">
-        <p14:creationId xmlns:p14="http://schemas.microsoft.com/office/powerpoint/2010/main" xmlns="" val="522405798"/>
+        <p14:creationId xmlns="" xmlns:p14="http://schemas.microsoft.com/office/powerpoint/2010/main" val="522405798"/>
       </p:ext>
     </p:extLst>
   </p:cSld>
@@ -31557,7 +31557,7 @@
     </p:spTree>
     <p:extLst>
       <p:ext uri="{BB962C8B-B14F-4D97-AF65-F5344CB8AC3E}">
-        <p14:creationId xmlns:p14="http://schemas.microsoft.com/office/powerpoint/2010/main" xmlns="" val="522405798"/>
+        <p14:creationId xmlns="" xmlns:p14="http://schemas.microsoft.com/office/powerpoint/2010/main" val="522405798"/>
       </p:ext>
     </p:extLst>
   </p:cSld>
@@ -31652,7 +31652,7 @@
     </p:spTree>
     <p:extLst>
       <p:ext uri="{BB962C8B-B14F-4D97-AF65-F5344CB8AC3E}">
-        <p14:creationId xmlns="" xmlns:p14="http://schemas.microsoft.com/office/powerpoint/2010/main" val="3907764274"/>
+        <p14:creationId xmlns:p14="http://schemas.microsoft.com/office/powerpoint/2010/main" xmlns="" val="3907764274"/>
       </p:ext>
     </p:extLst>
   </p:cSld>
@@ -31895,7 +31895,7 @@
     </p:spTree>
     <p:extLst>
       <p:ext uri="{BB962C8B-B14F-4D97-AF65-F5344CB8AC3E}">
-        <p14:creationId xmlns:p14="http://schemas.microsoft.com/office/powerpoint/2010/main" xmlns="" val="522405798"/>
+        <p14:creationId xmlns="" xmlns:p14="http://schemas.microsoft.com/office/powerpoint/2010/main" val="522405798"/>
       </p:ext>
     </p:extLst>
   </p:cSld>
@@ -32205,7 +32205,7 @@
     </p:spTree>
     <p:extLst>
       <p:ext uri="{BB962C8B-B14F-4D97-AF65-F5344CB8AC3E}">
-        <p14:creationId xmlns:p14="http://schemas.microsoft.com/office/powerpoint/2010/main" xmlns="" val="522405798"/>
+        <p14:creationId xmlns="" xmlns:p14="http://schemas.microsoft.com/office/powerpoint/2010/main" val="522405798"/>
       </p:ext>
     </p:extLst>
   </p:cSld>
@@ -32373,7 +32373,7 @@
     </p:spTree>
     <p:extLst>
       <p:ext uri="{BB962C8B-B14F-4D97-AF65-F5344CB8AC3E}">
-        <p14:creationId xmlns:p14="http://schemas.microsoft.com/office/powerpoint/2010/main" xmlns="" val="522405798"/>
+        <p14:creationId xmlns="" xmlns:p14="http://schemas.microsoft.com/office/powerpoint/2010/main" val="522405798"/>
       </p:ext>
     </p:extLst>
   </p:cSld>
@@ -32541,7 +32541,7 @@
     </p:spTree>
     <p:extLst>
       <p:ext uri="{BB962C8B-B14F-4D97-AF65-F5344CB8AC3E}">
-        <p14:creationId xmlns:p14="http://schemas.microsoft.com/office/powerpoint/2010/main" xmlns="" val="522405798"/>
+        <p14:creationId xmlns="" xmlns:p14="http://schemas.microsoft.com/office/powerpoint/2010/main" val="522405798"/>
       </p:ext>
     </p:extLst>
   </p:cSld>
@@ -32736,7 +32736,7 @@
     </p:spTree>
     <p:extLst>
       <p:ext uri="{BB962C8B-B14F-4D97-AF65-F5344CB8AC3E}">
-        <p14:creationId xmlns:p14="http://schemas.microsoft.com/office/powerpoint/2010/main" xmlns="" val="522405798"/>
+        <p14:creationId xmlns="" xmlns:p14="http://schemas.microsoft.com/office/powerpoint/2010/main" val="522405798"/>
       </p:ext>
     </p:extLst>
   </p:cSld>
@@ -32904,7 +32904,7 @@
     </p:spTree>
     <p:extLst>
       <p:ext uri="{BB962C8B-B14F-4D97-AF65-F5344CB8AC3E}">
-        <p14:creationId xmlns:p14="http://schemas.microsoft.com/office/powerpoint/2010/main" xmlns="" val="522405798"/>
+        <p14:creationId xmlns="" xmlns:p14="http://schemas.microsoft.com/office/powerpoint/2010/main" val="522405798"/>
       </p:ext>
     </p:extLst>
   </p:cSld>
@@ -33072,7 +33072,7 @@
     </p:spTree>
     <p:extLst>
       <p:ext uri="{BB962C8B-B14F-4D97-AF65-F5344CB8AC3E}">
-        <p14:creationId xmlns:p14="http://schemas.microsoft.com/office/powerpoint/2010/main" xmlns="" val="522405798"/>
+        <p14:creationId xmlns="" xmlns:p14="http://schemas.microsoft.com/office/powerpoint/2010/main" val="522405798"/>
       </p:ext>
     </p:extLst>
   </p:cSld>
@@ -33222,7 +33222,7 @@
     </p:spTree>
     <p:extLst>
       <p:ext uri="{BB962C8B-B14F-4D97-AF65-F5344CB8AC3E}">
-        <p14:creationId xmlns:p14="http://schemas.microsoft.com/office/powerpoint/2010/main" xmlns="" val="522405798"/>
+        <p14:creationId xmlns="" xmlns:p14="http://schemas.microsoft.com/office/powerpoint/2010/main" val="522405798"/>
       </p:ext>
     </p:extLst>
   </p:cSld>
@@ -33379,7 +33379,7 @@
     </p:spTree>
     <p:extLst>
       <p:ext uri="{BB962C8B-B14F-4D97-AF65-F5344CB8AC3E}">
-        <p14:creationId xmlns:p14="http://schemas.microsoft.com/office/powerpoint/2010/main" xmlns="" val="522405798"/>
+        <p14:creationId xmlns="" xmlns:p14="http://schemas.microsoft.com/office/powerpoint/2010/main" val="522405798"/>
       </p:ext>
     </p:extLst>
   </p:cSld>
@@ -33773,7 +33773,7 @@
     </p:spTree>
     <p:extLst>
       <p:ext uri="{BB962C8B-B14F-4D97-AF65-F5344CB8AC3E}">
-        <p14:creationId xmlns:p14="http://schemas.microsoft.com/office/powerpoint/2010/main" xmlns="" val="522405798"/>
+        <p14:creationId xmlns="" xmlns:p14="http://schemas.microsoft.com/office/powerpoint/2010/main" val="522405798"/>
       </p:ext>
     </p:extLst>
   </p:cSld>
@@ -34057,7 +34057,7 @@
     </p:spTree>
     <p:extLst>
       <p:ext uri="{BB962C8B-B14F-4D97-AF65-F5344CB8AC3E}">
-        <p14:creationId xmlns:p14="http://schemas.microsoft.com/office/powerpoint/2010/main" xmlns="" val="522405798"/>
+        <p14:creationId xmlns="" xmlns:p14="http://schemas.microsoft.com/office/powerpoint/2010/main" val="522405798"/>
       </p:ext>
     </p:extLst>
   </p:cSld>
@@ -34169,7 +34169,7 @@
     </p:spTree>
     <p:extLst>
       <p:ext uri="{BB962C8B-B14F-4D97-AF65-F5344CB8AC3E}">
-        <p14:creationId xmlns="" xmlns:p14="http://schemas.microsoft.com/office/powerpoint/2010/main" val="3907764274"/>
+        <p14:creationId xmlns:p14="http://schemas.microsoft.com/office/powerpoint/2010/main" xmlns="" val="3907764274"/>
       </p:ext>
     </p:extLst>
   </p:cSld>
@@ -34414,7 +34414,7 @@
     </p:spTree>
     <p:extLst>
       <p:ext uri="{BB962C8B-B14F-4D97-AF65-F5344CB8AC3E}">
-        <p14:creationId xmlns:p14="http://schemas.microsoft.com/office/powerpoint/2010/main" xmlns="" val="522405798"/>
+        <p14:creationId xmlns="" xmlns:p14="http://schemas.microsoft.com/office/powerpoint/2010/main" val="522405798"/>
       </p:ext>
     </p:extLst>
   </p:cSld>
@@ -34631,7 +34631,7 @@
     </p:spTree>
     <p:extLst>
       <p:ext uri="{BB962C8B-B14F-4D97-AF65-F5344CB8AC3E}">
-        <p14:creationId xmlns:p14="http://schemas.microsoft.com/office/powerpoint/2010/main" xmlns="" val="522405798"/>
+        <p14:creationId xmlns="" xmlns:p14="http://schemas.microsoft.com/office/powerpoint/2010/main" val="522405798"/>
       </p:ext>
     </p:extLst>
   </p:cSld>
@@ -34763,7 +34763,7 @@
     </p:spTree>
     <p:extLst>
       <p:ext uri="{BB962C8B-B14F-4D97-AF65-F5344CB8AC3E}">
-        <p14:creationId xmlns:p14="http://schemas.microsoft.com/office/powerpoint/2010/main" xmlns="" val="522405798"/>
+        <p14:creationId xmlns="" xmlns:p14="http://schemas.microsoft.com/office/powerpoint/2010/main" val="522405798"/>
       </p:ext>
     </p:extLst>
   </p:cSld>
@@ -34880,7 +34880,7 @@
     </p:spTree>
     <p:extLst>
       <p:ext uri="{BB962C8B-B14F-4D97-AF65-F5344CB8AC3E}">
-        <p14:creationId xmlns:p14="http://schemas.microsoft.com/office/powerpoint/2010/main" xmlns="" val="522405798"/>
+        <p14:creationId xmlns="" xmlns:p14="http://schemas.microsoft.com/office/powerpoint/2010/main" val="522405798"/>
       </p:ext>
     </p:extLst>
   </p:cSld>
@@ -35029,7 +35029,7 @@
     </p:spTree>
     <p:extLst>
       <p:ext uri="{BB962C8B-B14F-4D97-AF65-F5344CB8AC3E}">
-        <p14:creationId xmlns:p14="http://schemas.microsoft.com/office/powerpoint/2010/main" xmlns="" val="522405798"/>
+        <p14:creationId xmlns="" xmlns:p14="http://schemas.microsoft.com/office/powerpoint/2010/main" val="522405798"/>
       </p:ext>
     </p:extLst>
   </p:cSld>
@@ -35146,7 +35146,7 @@
     </p:spTree>
     <p:extLst>
       <p:ext uri="{BB962C8B-B14F-4D97-AF65-F5344CB8AC3E}">
-        <p14:creationId xmlns:p14="http://schemas.microsoft.com/office/powerpoint/2010/main" xmlns="" val="522405798"/>
+        <p14:creationId xmlns="" xmlns:p14="http://schemas.microsoft.com/office/powerpoint/2010/main" val="522405798"/>
       </p:ext>
     </p:extLst>
   </p:cSld>
@@ -35295,7 +35295,7 @@
     </p:spTree>
     <p:extLst>
       <p:ext uri="{BB962C8B-B14F-4D97-AF65-F5344CB8AC3E}">
-        <p14:creationId xmlns:p14="http://schemas.microsoft.com/office/powerpoint/2010/main" xmlns="" val="522405798"/>
+        <p14:creationId xmlns="" xmlns:p14="http://schemas.microsoft.com/office/powerpoint/2010/main" val="522405798"/>
       </p:ext>
     </p:extLst>
   </p:cSld>
@@ -35412,7 +35412,7 @@
     </p:spTree>
     <p:extLst>
       <p:ext uri="{BB962C8B-B14F-4D97-AF65-F5344CB8AC3E}">
-        <p14:creationId xmlns:p14="http://schemas.microsoft.com/office/powerpoint/2010/main" xmlns="" val="522405798"/>
+        <p14:creationId xmlns="" xmlns:p14="http://schemas.microsoft.com/office/powerpoint/2010/main" val="522405798"/>
       </p:ext>
     </p:extLst>
   </p:cSld>
@@ -35561,7 +35561,7 @@
     </p:spTree>
     <p:extLst>
       <p:ext uri="{BB962C8B-B14F-4D97-AF65-F5344CB8AC3E}">
-        <p14:creationId xmlns:p14="http://schemas.microsoft.com/office/powerpoint/2010/main" xmlns="" val="522405798"/>
+        <p14:creationId xmlns="" xmlns:p14="http://schemas.microsoft.com/office/powerpoint/2010/main" val="522405798"/>
       </p:ext>
     </p:extLst>
   </p:cSld>
@@ -35831,7 +35831,7 @@
     </p:spTree>
     <p:extLst>
       <p:ext uri="{BB962C8B-B14F-4D97-AF65-F5344CB8AC3E}">
-        <p14:creationId xmlns:p14="http://schemas.microsoft.com/office/powerpoint/2010/main" xmlns="" val="522405798"/>
+        <p14:creationId xmlns="" xmlns:p14="http://schemas.microsoft.com/office/powerpoint/2010/main" val="522405798"/>
       </p:ext>
     </p:extLst>
   </p:cSld>
@@ -35948,7 +35948,7 @@
     </p:spTree>
     <p:extLst>
       <p:ext uri="{BB962C8B-B14F-4D97-AF65-F5344CB8AC3E}">
-        <p14:creationId xmlns:p14="http://schemas.microsoft.com/office/powerpoint/2010/main" xmlns="" val="522405798"/>
+        <p14:creationId xmlns="" xmlns:p14="http://schemas.microsoft.com/office/powerpoint/2010/main" val="522405798"/>
       </p:ext>
     </p:extLst>
   </p:cSld>
@@ -36097,7 +36097,7 @@
     </p:spTree>
     <p:extLst>
       <p:ext uri="{BB962C8B-B14F-4D97-AF65-F5344CB8AC3E}">
-        <p14:creationId xmlns:p14="http://schemas.microsoft.com/office/powerpoint/2010/main" xmlns="" val="522405798"/>
+        <p14:creationId xmlns="" xmlns:p14="http://schemas.microsoft.com/office/powerpoint/2010/main" val="522405798"/>
       </p:ext>
     </p:extLst>
   </p:cSld>
@@ -36214,7 +36214,7 @@
     </p:spTree>
     <p:extLst>
       <p:ext uri="{BB962C8B-B14F-4D97-AF65-F5344CB8AC3E}">
-        <p14:creationId xmlns:p14="http://schemas.microsoft.com/office/powerpoint/2010/main" xmlns="" val="522405798"/>
+        <p14:creationId xmlns="" xmlns:p14="http://schemas.microsoft.com/office/powerpoint/2010/main" val="522405798"/>
       </p:ext>
     </p:extLst>
   </p:cSld>
@@ -36363,7 +36363,7 @@
     </p:spTree>
     <p:extLst>
       <p:ext uri="{BB962C8B-B14F-4D97-AF65-F5344CB8AC3E}">
-        <p14:creationId xmlns:p14="http://schemas.microsoft.com/office/powerpoint/2010/main" xmlns="" val="522405798"/>
+        <p14:creationId xmlns="" xmlns:p14="http://schemas.microsoft.com/office/powerpoint/2010/main" val="522405798"/>
       </p:ext>
     </p:extLst>
   </p:cSld>
@@ -36435,7 +36435,7 @@
     </p:spTree>
     <p:extLst>
       <p:ext uri="{BB962C8B-B14F-4D97-AF65-F5344CB8AC3E}">
-        <p14:creationId xmlns:p14="http://schemas.microsoft.com/office/powerpoint/2010/main" xmlns="" val="522405798"/>
+        <p14:creationId xmlns="" xmlns:p14="http://schemas.microsoft.com/office/powerpoint/2010/main" val="522405798"/>
       </p:ext>
     </p:extLst>
   </p:cSld>
@@ -36613,7 +36613,7 @@
     </p:spTree>
     <p:extLst>
       <p:ext uri="{BB962C8B-B14F-4D97-AF65-F5344CB8AC3E}">
-        <p14:creationId xmlns:p14="http://schemas.microsoft.com/office/powerpoint/2010/main" xmlns="" val="522405798"/>
+        <p14:creationId xmlns="" xmlns:p14="http://schemas.microsoft.com/office/powerpoint/2010/main" val="522405798"/>
       </p:ext>
     </p:extLst>
   </p:cSld>
@@ -36743,7 +36743,7 @@
     </p:spTree>
     <p:extLst>
       <p:ext uri="{BB962C8B-B14F-4D97-AF65-F5344CB8AC3E}">
-        <p14:creationId xmlns:p14="http://schemas.microsoft.com/office/powerpoint/2010/main" xmlns="" val="522405798"/>
+        <p14:creationId xmlns="" xmlns:p14="http://schemas.microsoft.com/office/powerpoint/2010/main" val="522405798"/>
       </p:ext>
     </p:extLst>
   </p:cSld>
@@ -36901,7 +36901,7 @@
     </p:spTree>
     <p:extLst>
       <p:ext uri="{BB962C8B-B14F-4D97-AF65-F5344CB8AC3E}">
-        <p14:creationId xmlns:p14="http://schemas.microsoft.com/office/powerpoint/2010/main" xmlns="" val="522405798"/>
+        <p14:creationId xmlns="" xmlns:p14="http://schemas.microsoft.com/office/powerpoint/2010/main" val="522405798"/>
       </p:ext>
     </p:extLst>
   </p:cSld>
@@ -37031,7 +37031,7 @@
     </p:spTree>
     <p:extLst>
       <p:ext uri="{BB962C8B-B14F-4D97-AF65-F5344CB8AC3E}">
-        <p14:creationId xmlns:p14="http://schemas.microsoft.com/office/powerpoint/2010/main" xmlns="" val="522405798"/>
+        <p14:creationId xmlns="" xmlns:p14="http://schemas.microsoft.com/office/powerpoint/2010/main" val="522405798"/>
       </p:ext>
     </p:extLst>
   </p:cSld>
@@ -37161,7 +37161,7 @@
     </p:spTree>
     <p:extLst>
       <p:ext uri="{BB962C8B-B14F-4D97-AF65-F5344CB8AC3E}">
-        <p14:creationId xmlns:p14="http://schemas.microsoft.com/office/powerpoint/2010/main" xmlns="" val="522405798"/>
+        <p14:creationId xmlns="" xmlns:p14="http://schemas.microsoft.com/office/powerpoint/2010/main" val="522405798"/>
       </p:ext>
     </p:extLst>
   </p:cSld>
@@ -37455,7 +37455,7 @@
     </p:spTree>
     <p:extLst>
       <p:ext uri="{BB962C8B-B14F-4D97-AF65-F5344CB8AC3E}">
-        <p14:creationId xmlns:p14="http://schemas.microsoft.com/office/powerpoint/2010/main" xmlns="" val="522405798"/>
+        <p14:creationId xmlns="" xmlns:p14="http://schemas.microsoft.com/office/powerpoint/2010/main" val="522405798"/>
       </p:ext>
     </p:extLst>
   </p:cSld>
@@ -37665,7 +37665,7 @@
     </p:spTree>
     <p:extLst>
       <p:ext uri="{BB962C8B-B14F-4D97-AF65-F5344CB8AC3E}">
-        <p14:creationId xmlns:p14="http://schemas.microsoft.com/office/powerpoint/2010/main" xmlns="" val="522405798"/>
+        <p14:creationId xmlns="" xmlns:p14="http://schemas.microsoft.com/office/powerpoint/2010/main" val="522405798"/>
       </p:ext>
     </p:extLst>
   </p:cSld>
@@ -37859,7 +37859,7 @@
     </p:spTree>
     <p:extLst>
       <p:ext uri="{BB962C8B-B14F-4D97-AF65-F5344CB8AC3E}">
-        <p14:creationId xmlns:p14="http://schemas.microsoft.com/office/powerpoint/2010/main" xmlns="" val="522405798"/>
+        <p14:creationId xmlns="" xmlns:p14="http://schemas.microsoft.com/office/powerpoint/2010/main" val="522405798"/>
       </p:ext>
     </p:extLst>
   </p:cSld>
@@ -37989,7 +37989,7 @@
     </p:spTree>
     <p:extLst>
       <p:ext uri="{BB962C8B-B14F-4D97-AF65-F5344CB8AC3E}">
-        <p14:creationId xmlns:p14="http://schemas.microsoft.com/office/powerpoint/2010/main" xmlns="" val="522405798"/>
+        <p14:creationId xmlns="" xmlns:p14="http://schemas.microsoft.com/office/powerpoint/2010/main" val="522405798"/>
       </p:ext>
     </p:extLst>
   </p:cSld>
@@ -38119,7 +38119,7 @@
     </p:spTree>
     <p:extLst>
       <p:ext uri="{BB962C8B-B14F-4D97-AF65-F5344CB8AC3E}">
-        <p14:creationId xmlns:p14="http://schemas.microsoft.com/office/powerpoint/2010/main" xmlns="" val="522405798"/>
+        <p14:creationId xmlns="" xmlns:p14="http://schemas.microsoft.com/office/powerpoint/2010/main" val="522405798"/>
       </p:ext>
     </p:extLst>
   </p:cSld>
@@ -38214,7 +38214,7 @@
     </p:spTree>
     <p:extLst>
       <p:ext uri="{BB962C8B-B14F-4D97-AF65-F5344CB8AC3E}">
-        <p14:creationId xmlns="" xmlns:p14="http://schemas.microsoft.com/office/powerpoint/2010/main" val="3907764274"/>
+        <p14:creationId xmlns:p14="http://schemas.microsoft.com/office/powerpoint/2010/main" xmlns="" val="3907764274"/>
       </p:ext>
     </p:extLst>
   </p:cSld>
@@ -38440,7 +38440,7 @@
     </p:spTree>
     <p:extLst>
       <p:ext uri="{BB962C8B-B14F-4D97-AF65-F5344CB8AC3E}">
-        <p14:creationId xmlns:p14="http://schemas.microsoft.com/office/powerpoint/2010/main" xmlns="" val="522405798"/>
+        <p14:creationId xmlns="" xmlns:p14="http://schemas.microsoft.com/office/powerpoint/2010/main" val="522405798"/>
       </p:ext>
     </p:extLst>
   </p:cSld>
@@ -38824,7 +38824,7 @@
     </p:spTree>
     <p:extLst>
       <p:ext uri="{BB962C8B-B14F-4D97-AF65-F5344CB8AC3E}">
-        <p14:creationId xmlns:p14="http://schemas.microsoft.com/office/powerpoint/2010/main" xmlns="" val="522405798"/>
+        <p14:creationId xmlns="" xmlns:p14="http://schemas.microsoft.com/office/powerpoint/2010/main" val="522405798"/>
       </p:ext>
     </p:extLst>
   </p:cSld>
@@ -39096,7 +39096,7 @@
     </p:spTree>
     <p:extLst>
       <p:ext uri="{BB962C8B-B14F-4D97-AF65-F5344CB8AC3E}">
-        <p14:creationId xmlns:p14="http://schemas.microsoft.com/office/powerpoint/2010/main" xmlns="" val="522405798"/>
+        <p14:creationId xmlns="" xmlns:p14="http://schemas.microsoft.com/office/powerpoint/2010/main" val="522405798"/>
       </p:ext>
     </p:extLst>
   </p:cSld>
@@ -39260,7 +39260,7 @@
     </p:spTree>
     <p:extLst>
       <p:ext uri="{BB962C8B-B14F-4D97-AF65-F5344CB8AC3E}">
-        <p14:creationId xmlns:p14="http://schemas.microsoft.com/office/powerpoint/2010/main" xmlns="" val="522405798"/>
+        <p14:creationId xmlns="" xmlns:p14="http://schemas.microsoft.com/office/powerpoint/2010/main" val="522405798"/>
       </p:ext>
     </p:extLst>
   </p:cSld>
@@ -39477,7 +39477,7 @@
     </p:spTree>
     <p:extLst>
       <p:ext uri="{BB962C8B-B14F-4D97-AF65-F5344CB8AC3E}">
-        <p14:creationId xmlns:p14="http://schemas.microsoft.com/office/powerpoint/2010/main" xmlns="" val="522405798"/>
+        <p14:creationId xmlns="" xmlns:p14="http://schemas.microsoft.com/office/powerpoint/2010/main" val="522405798"/>
       </p:ext>
     </p:extLst>
   </p:cSld>
@@ -39816,7 +39816,7 @@
     </p:spTree>
     <p:extLst>
       <p:ext uri="{BB962C8B-B14F-4D97-AF65-F5344CB8AC3E}">
-        <p14:creationId xmlns:p14="http://schemas.microsoft.com/office/powerpoint/2010/main" xmlns="" val="522405798"/>
+        <p14:creationId xmlns="" xmlns:p14="http://schemas.microsoft.com/office/powerpoint/2010/main" val="522405798"/>
       </p:ext>
     </p:extLst>
   </p:cSld>
@@ -40041,7 +40041,7 @@
     </p:spTree>
     <p:extLst>
       <p:ext uri="{BB962C8B-B14F-4D97-AF65-F5344CB8AC3E}">
-        <p14:creationId xmlns:p14="http://schemas.microsoft.com/office/powerpoint/2010/main" xmlns="" val="522405798"/>
+        <p14:creationId xmlns="" xmlns:p14="http://schemas.microsoft.com/office/powerpoint/2010/main" val="522405798"/>
       </p:ext>
     </p:extLst>
   </p:cSld>
@@ -40156,7 +40156,7 @@
     </p:spTree>
     <p:extLst>
       <p:ext uri="{BB962C8B-B14F-4D97-AF65-F5344CB8AC3E}">
-        <p14:creationId xmlns="" xmlns:p14="http://schemas.microsoft.com/office/powerpoint/2010/main" val="3907764274"/>
+        <p14:creationId xmlns:p14="http://schemas.microsoft.com/office/powerpoint/2010/main" xmlns="" val="3907764274"/>
       </p:ext>
     </p:extLst>
   </p:cSld>
@@ -40398,7 +40398,7 @@
     </p:spTree>
     <p:extLst>
       <p:ext uri="{BB962C8B-B14F-4D97-AF65-F5344CB8AC3E}">
-        <p14:creationId xmlns:p14="http://schemas.microsoft.com/office/powerpoint/2010/main" xmlns="" val="522405798"/>
+        <p14:creationId xmlns="" xmlns:p14="http://schemas.microsoft.com/office/powerpoint/2010/main" val="522405798"/>
       </p:ext>
     </p:extLst>
   </p:cSld>
@@ -40579,7 +40579,7 @@
     </p:spTree>
     <p:extLst>
       <p:ext uri="{BB962C8B-B14F-4D97-AF65-F5344CB8AC3E}">
-        <p14:creationId xmlns:p14="http://schemas.microsoft.com/office/powerpoint/2010/main" xmlns="" val="522405798"/>
+        <p14:creationId xmlns="" xmlns:p14="http://schemas.microsoft.com/office/powerpoint/2010/main" val="522405798"/>
       </p:ext>
     </p:extLst>
   </p:cSld>
@@ -40834,7 +40834,7 @@
     </p:spTree>
     <p:extLst>
       <p:ext uri="{BB962C8B-B14F-4D97-AF65-F5344CB8AC3E}">
-        <p14:creationId xmlns:p14="http://schemas.microsoft.com/office/powerpoint/2010/main" xmlns="" val="522405798"/>
+        <p14:creationId xmlns="" xmlns:p14="http://schemas.microsoft.com/office/powerpoint/2010/main" val="522405798"/>
       </p:ext>
     </p:extLst>
   </p:cSld>
@@ -41035,7 +41035,7 @@
     </p:spTree>
     <p:extLst>
       <p:ext uri="{BB962C8B-B14F-4D97-AF65-F5344CB8AC3E}">
-        <p14:creationId xmlns:p14="http://schemas.microsoft.com/office/powerpoint/2010/main" xmlns="" val="522405798"/>
+        <p14:creationId xmlns="" xmlns:p14="http://schemas.microsoft.com/office/powerpoint/2010/main" val="522405798"/>
       </p:ext>
     </p:extLst>
   </p:cSld>
@@ -41256,7 +41256,7 @@
     </p:spTree>
     <p:extLst>
       <p:ext uri="{BB962C8B-B14F-4D97-AF65-F5344CB8AC3E}">
-        <p14:creationId xmlns:p14="http://schemas.microsoft.com/office/powerpoint/2010/main" xmlns="" val="522405798"/>
+        <p14:creationId xmlns="" xmlns:p14="http://schemas.microsoft.com/office/powerpoint/2010/main" val="522405798"/>
       </p:ext>
     </p:extLst>
   </p:cSld>
@@ -41420,7 +41420,7 @@
     </p:spTree>
     <p:extLst>
       <p:ext uri="{BB962C8B-B14F-4D97-AF65-F5344CB8AC3E}">
-        <p14:creationId xmlns:p14="http://schemas.microsoft.com/office/powerpoint/2010/main" xmlns="" val="522405798"/>
+        <p14:creationId xmlns="" xmlns:p14="http://schemas.microsoft.com/office/powerpoint/2010/main" val="522405798"/>
       </p:ext>
     </p:extLst>
   </p:cSld>
@@ -41669,7 +41669,7 @@
     </p:spTree>
     <p:extLst>
       <p:ext uri="{BB962C8B-B14F-4D97-AF65-F5344CB8AC3E}">
-        <p14:creationId xmlns:p14="http://schemas.microsoft.com/office/powerpoint/2010/main" xmlns="" val="522405798"/>
+        <p14:creationId xmlns="" xmlns:p14="http://schemas.microsoft.com/office/powerpoint/2010/main" val="522405798"/>
       </p:ext>
     </p:extLst>
   </p:cSld>
@@ -41881,7 +41881,7 @@
     </p:spTree>
     <p:extLst>
       <p:ext uri="{BB962C8B-B14F-4D97-AF65-F5344CB8AC3E}">
-        <p14:creationId xmlns:p14="http://schemas.microsoft.com/office/powerpoint/2010/main" xmlns="" val="522405798"/>
+        <p14:creationId xmlns="" xmlns:p14="http://schemas.microsoft.com/office/powerpoint/2010/main" val="522405798"/>
       </p:ext>
     </p:extLst>
   </p:cSld>
@@ -42283,7 +42283,7 @@
     </p:spTree>
     <p:extLst>
       <p:ext uri="{BB962C8B-B14F-4D97-AF65-F5344CB8AC3E}">
-        <p14:creationId xmlns:p14="http://schemas.microsoft.com/office/powerpoint/2010/main" xmlns="" val="522405798"/>
+        <p14:creationId xmlns="" xmlns:p14="http://schemas.microsoft.com/office/powerpoint/2010/main" val="522405798"/>
       </p:ext>
     </p:extLst>
   </p:cSld>
@@ -42415,7 +42415,7 @@
     </p:spTree>
     <p:extLst>
       <p:ext uri="{BB962C8B-B14F-4D97-AF65-F5344CB8AC3E}">
-        <p14:creationId xmlns:p14="http://schemas.microsoft.com/office/powerpoint/2010/main" xmlns="" val="522405798"/>
+        <p14:creationId xmlns="" xmlns:p14="http://schemas.microsoft.com/office/powerpoint/2010/main" val="522405798"/>
       </p:ext>
     </p:extLst>
   </p:cSld>
@@ -42547,7 +42547,7 @@
     </p:spTree>
     <p:extLst>
       <p:ext uri="{BB962C8B-B14F-4D97-AF65-F5344CB8AC3E}">
-        <p14:creationId xmlns:p14="http://schemas.microsoft.com/office/powerpoint/2010/main" xmlns="" val="522405798"/>
+        <p14:creationId xmlns="" xmlns:p14="http://schemas.microsoft.com/office/powerpoint/2010/main" val="522405798"/>
       </p:ext>
     </p:extLst>
   </p:cSld>
@@ -42679,7 +42679,7 @@
     </p:spTree>
     <p:extLst>
       <p:ext uri="{BB962C8B-B14F-4D97-AF65-F5344CB8AC3E}">
-        <p14:creationId xmlns:p14="http://schemas.microsoft.com/office/powerpoint/2010/main" xmlns="" val="522405798"/>
+        <p14:creationId xmlns="" xmlns:p14="http://schemas.microsoft.com/office/powerpoint/2010/main" val="522405798"/>
       </p:ext>
     </p:extLst>
   </p:cSld>
@@ -42814,7 +42814,7 @@
     </p:spTree>
     <p:extLst>
       <p:ext uri="{BB962C8B-B14F-4D97-AF65-F5344CB8AC3E}">
-        <p14:creationId xmlns:p14="http://schemas.microsoft.com/office/powerpoint/2010/main" xmlns="" val="522405798"/>
+        <p14:creationId xmlns="" xmlns:p14="http://schemas.microsoft.com/office/powerpoint/2010/main" val="522405798"/>
       </p:ext>
     </p:extLst>
   </p:cSld>
@@ -42978,7 +42978,7 @@
     </p:spTree>
     <p:extLst>
       <p:ext uri="{BB962C8B-B14F-4D97-AF65-F5344CB8AC3E}">
-        <p14:creationId xmlns:p14="http://schemas.microsoft.com/office/powerpoint/2010/main" xmlns="" val="522405798"/>
+        <p14:creationId xmlns="" xmlns:p14="http://schemas.microsoft.com/office/powerpoint/2010/main" val="522405798"/>
       </p:ext>
     </p:extLst>
   </p:cSld>
@@ -43142,7 +43142,7 @@
     </p:spTree>
     <p:extLst>
       <p:ext uri="{BB962C8B-B14F-4D97-AF65-F5344CB8AC3E}">
-        <p14:creationId xmlns:p14="http://schemas.microsoft.com/office/powerpoint/2010/main" xmlns="" val="522405798"/>
+        <p14:creationId xmlns="" xmlns:p14="http://schemas.microsoft.com/office/powerpoint/2010/main" val="522405798"/>
       </p:ext>
     </p:extLst>
   </p:cSld>
@@ -43441,7 +43441,7 @@
     </p:spTree>
     <p:extLst>
       <p:ext uri="{BB962C8B-B14F-4D97-AF65-F5344CB8AC3E}">
-        <p14:creationId xmlns:p14="http://schemas.microsoft.com/office/powerpoint/2010/main" xmlns="" val="522405798"/>
+        <p14:creationId xmlns="" xmlns:p14="http://schemas.microsoft.com/office/powerpoint/2010/main" val="522405798"/>
       </p:ext>
     </p:extLst>
   </p:cSld>
@@ -43662,7 +43662,7 @@
     </p:spTree>
     <p:extLst>
       <p:ext uri="{BB962C8B-B14F-4D97-AF65-F5344CB8AC3E}">
-        <p14:creationId xmlns:p14="http://schemas.microsoft.com/office/powerpoint/2010/main" xmlns="" val="522405798"/>
+        <p14:creationId xmlns="" xmlns:p14="http://schemas.microsoft.com/office/powerpoint/2010/main" val="522405798"/>
       </p:ext>
     </p:extLst>
   </p:cSld>
@@ -44027,7 +44027,7 @@
     </p:spTree>
     <p:extLst>
       <p:ext uri="{BB962C8B-B14F-4D97-AF65-F5344CB8AC3E}">
-        <p14:creationId xmlns:p14="http://schemas.microsoft.com/office/powerpoint/2010/main" xmlns="" val="522405798"/>
+        <p14:creationId xmlns="" xmlns:p14="http://schemas.microsoft.com/office/powerpoint/2010/main" val="522405798"/>
       </p:ext>
     </p:extLst>
   </p:cSld>
@@ -44159,7 +44159,7 @@
     </p:spTree>
     <p:extLst>
       <p:ext uri="{BB962C8B-B14F-4D97-AF65-F5344CB8AC3E}">
-        <p14:creationId xmlns:p14="http://schemas.microsoft.com/office/powerpoint/2010/main" xmlns="" val="522405798"/>
+        <p14:creationId xmlns="" xmlns:p14="http://schemas.microsoft.com/office/powerpoint/2010/main" val="522405798"/>
       </p:ext>
     </p:extLst>
   </p:cSld>
@@ -44405,7 +44405,7 @@
     </p:spTree>
     <p:extLst>
       <p:ext uri="{BB962C8B-B14F-4D97-AF65-F5344CB8AC3E}">
-        <p14:creationId xmlns:p14="http://schemas.microsoft.com/office/powerpoint/2010/main" xmlns="" val="522405798"/>
+        <p14:creationId xmlns="" xmlns:p14="http://schemas.microsoft.com/office/powerpoint/2010/main" val="522405798"/>
       </p:ext>
     </p:extLst>
   </p:cSld>
@@ -44596,7 +44596,7 @@
     </p:spTree>
     <p:extLst>
       <p:ext uri="{BB962C8B-B14F-4D97-AF65-F5344CB8AC3E}">
-        <p14:creationId xmlns:p14="http://schemas.microsoft.com/office/powerpoint/2010/main" xmlns="" val="522405798"/>
+        <p14:creationId xmlns="" xmlns:p14="http://schemas.microsoft.com/office/powerpoint/2010/main" val="522405798"/>
       </p:ext>
     </p:extLst>
   </p:cSld>
@@ -44792,7 +44792,7 @@
     </p:spTree>
     <p:extLst>
       <p:ext uri="{BB962C8B-B14F-4D97-AF65-F5344CB8AC3E}">
-        <p14:creationId xmlns:p14="http://schemas.microsoft.com/office/powerpoint/2010/main" xmlns="" val="522405798"/>
+        <p14:creationId xmlns="" xmlns:p14="http://schemas.microsoft.com/office/powerpoint/2010/main" val="522405798"/>
       </p:ext>
     </p:extLst>
   </p:cSld>
@@ -44924,7 +44924,7 @@
     </p:spTree>
     <p:extLst>
       <p:ext uri="{BB962C8B-B14F-4D97-AF65-F5344CB8AC3E}">
-        <p14:creationId xmlns:p14="http://schemas.microsoft.com/office/powerpoint/2010/main" xmlns="" val="522405798"/>
+        <p14:creationId xmlns="" xmlns:p14="http://schemas.microsoft.com/office/powerpoint/2010/main" val="522405798"/>
       </p:ext>
     </p:extLst>
   </p:cSld>
@@ -45325,7 +45325,7 @@
     </p:spTree>
     <p:extLst>
       <p:ext uri="{BB962C8B-B14F-4D97-AF65-F5344CB8AC3E}">
-        <p14:creationId xmlns:p14="http://schemas.microsoft.com/office/powerpoint/2010/main" xmlns="" val="522405798"/>
+        <p14:creationId xmlns="" xmlns:p14="http://schemas.microsoft.com/office/powerpoint/2010/main" val="522405798"/>
       </p:ext>
     </p:extLst>
   </p:cSld>
@@ -45513,7 +45513,7 @@
     </p:spTree>
     <p:extLst>
       <p:ext uri="{BB962C8B-B14F-4D97-AF65-F5344CB8AC3E}">
-        <p14:creationId xmlns:p14="http://schemas.microsoft.com/office/powerpoint/2010/main" xmlns="" val="522405798"/>
+        <p14:creationId xmlns="" xmlns:p14="http://schemas.microsoft.com/office/powerpoint/2010/main" val="522405798"/>
       </p:ext>
     </p:extLst>
   </p:cSld>
@@ -45677,7 +45677,7 @@
     </p:spTree>
     <p:extLst>
       <p:ext uri="{BB962C8B-B14F-4D97-AF65-F5344CB8AC3E}">
-        <p14:creationId xmlns:p14="http://schemas.microsoft.com/office/powerpoint/2010/main" xmlns="" val="522405798"/>
+        <p14:creationId xmlns="" xmlns:p14="http://schemas.microsoft.com/office/powerpoint/2010/main" val="522405798"/>
       </p:ext>
     </p:extLst>
   </p:cSld>
@@ -45809,7 +45809,7 @@
     </p:spTree>
     <p:extLst>
       <p:ext uri="{BB962C8B-B14F-4D97-AF65-F5344CB8AC3E}">
-        <p14:creationId xmlns:p14="http://schemas.microsoft.com/office/powerpoint/2010/main" xmlns="" val="522405798"/>
+        <p14:creationId xmlns="" xmlns:p14="http://schemas.microsoft.com/office/powerpoint/2010/main" val="522405798"/>
       </p:ext>
     </p:extLst>
   </p:cSld>
@@ -46068,7 +46068,7 @@
     </p:spTree>
     <p:extLst>
       <p:ext uri="{BB962C8B-B14F-4D97-AF65-F5344CB8AC3E}">
-        <p14:creationId xmlns:p14="http://schemas.microsoft.com/office/powerpoint/2010/main" xmlns="" val="522405798"/>
+        <p14:creationId xmlns="" xmlns:p14="http://schemas.microsoft.com/office/powerpoint/2010/main" val="522405798"/>
       </p:ext>
     </p:extLst>
   </p:cSld>
@@ -46310,7 +46310,7 @@
     </p:spTree>
     <p:extLst>
       <p:ext uri="{BB962C8B-B14F-4D97-AF65-F5344CB8AC3E}">
-        <p14:creationId xmlns:p14="http://schemas.microsoft.com/office/powerpoint/2010/main" xmlns="" val="522405798"/>
+        <p14:creationId xmlns="" xmlns:p14="http://schemas.microsoft.com/office/powerpoint/2010/main" val="522405798"/>
       </p:ext>
     </p:extLst>
   </p:cSld>
@@ -46474,7 +46474,7 @@
     </p:spTree>
     <p:extLst>
       <p:ext uri="{BB962C8B-B14F-4D97-AF65-F5344CB8AC3E}">
-        <p14:creationId xmlns:p14="http://schemas.microsoft.com/office/powerpoint/2010/main" xmlns="" val="522405798"/>
+        <p14:creationId xmlns="" xmlns:p14="http://schemas.microsoft.com/office/powerpoint/2010/main" val="522405798"/>
       </p:ext>
     </p:extLst>
   </p:cSld>
@@ -46791,7 +46791,7 @@
     </p:spTree>
     <p:extLst>
       <p:ext uri="{BB962C8B-B14F-4D97-AF65-F5344CB8AC3E}">
-        <p14:creationId xmlns:p14="http://schemas.microsoft.com/office/powerpoint/2010/main" xmlns="" val="522405798"/>
+        <p14:creationId xmlns="" xmlns:p14="http://schemas.microsoft.com/office/powerpoint/2010/main" val="522405798"/>
       </p:ext>
     </p:extLst>
   </p:cSld>
@@ -47150,7 +47150,7 @@
     </p:spTree>
     <p:extLst>
       <p:ext uri="{BB962C8B-B14F-4D97-AF65-F5344CB8AC3E}">
-        <p14:creationId xmlns:p14="http://schemas.microsoft.com/office/powerpoint/2010/main" xmlns="" val="522405798"/>
+        <p14:creationId xmlns="" xmlns:p14="http://schemas.microsoft.com/office/powerpoint/2010/main" val="522405798"/>
       </p:ext>
     </p:extLst>
   </p:cSld>
@@ -47358,7 +47358,7 @@
     </p:spTree>
     <p:extLst>
       <p:ext uri="{BB962C8B-B14F-4D97-AF65-F5344CB8AC3E}">
-        <p14:creationId xmlns:p14="http://schemas.microsoft.com/office/powerpoint/2010/main" xmlns="" val="522405798"/>
+        <p14:creationId xmlns="" xmlns:p14="http://schemas.microsoft.com/office/powerpoint/2010/main" val="522405798"/>
       </p:ext>
     </p:extLst>
   </p:cSld>
@@ -47722,7 +47722,7 @@
     </p:spTree>
     <p:extLst>
       <p:ext uri="{BB962C8B-B14F-4D97-AF65-F5344CB8AC3E}">
-        <p14:creationId xmlns:p14="http://schemas.microsoft.com/office/powerpoint/2010/main" xmlns="" val="522405798"/>
+        <p14:creationId xmlns="" xmlns:p14="http://schemas.microsoft.com/office/powerpoint/2010/main" val="522405798"/>
       </p:ext>
     </p:extLst>
   </p:cSld>
@@ -47817,7 +47817,7 @@
     </p:spTree>
     <p:extLst>
       <p:ext uri="{BB962C8B-B14F-4D97-AF65-F5344CB8AC3E}">
-        <p14:creationId xmlns="" xmlns:p14="http://schemas.microsoft.com/office/powerpoint/2010/main" val="3907764274"/>
+        <p14:creationId xmlns:p14="http://schemas.microsoft.com/office/powerpoint/2010/main" xmlns="" val="3907764274"/>
       </p:ext>
     </p:extLst>
   </p:cSld>
@@ -48029,7 +48029,7 @@
     </p:spTree>
     <p:extLst>
       <p:ext uri="{BB962C8B-B14F-4D97-AF65-F5344CB8AC3E}">
-        <p14:creationId xmlns:p14="http://schemas.microsoft.com/office/powerpoint/2010/main" xmlns="" val="522405798"/>
+        <p14:creationId xmlns="" xmlns:p14="http://schemas.microsoft.com/office/powerpoint/2010/main" val="522405798"/>
       </p:ext>
     </p:extLst>
   </p:cSld>
@@ -48271,7 +48271,7 @@
     </p:spTree>
     <p:extLst>
       <p:ext uri="{BB962C8B-B14F-4D97-AF65-F5344CB8AC3E}">
-        <p14:creationId xmlns:p14="http://schemas.microsoft.com/office/powerpoint/2010/main" xmlns="" val="522405798"/>
+        <p14:creationId xmlns="" xmlns:p14="http://schemas.microsoft.com/office/powerpoint/2010/main" val="522405798"/>
       </p:ext>
     </p:extLst>
   </p:cSld>
@@ -48510,7 +48510,7 @@
     </p:spTree>
     <p:extLst>
       <p:ext uri="{BB962C8B-B14F-4D97-AF65-F5344CB8AC3E}">
-        <p14:creationId xmlns:p14="http://schemas.microsoft.com/office/powerpoint/2010/main" xmlns="" val="522405798"/>
+        <p14:creationId xmlns="" xmlns:p14="http://schemas.microsoft.com/office/powerpoint/2010/main" val="522405798"/>
       </p:ext>
     </p:extLst>
   </p:cSld>
@@ -48718,7 +48718,7 @@
     </p:spTree>
     <p:extLst>
       <p:ext uri="{BB962C8B-B14F-4D97-AF65-F5344CB8AC3E}">
-        <p14:creationId xmlns:p14="http://schemas.microsoft.com/office/powerpoint/2010/main" xmlns="" val="522405798"/>
+        <p14:creationId xmlns="" xmlns:p14="http://schemas.microsoft.com/office/powerpoint/2010/main" val="522405798"/>
       </p:ext>
     </p:extLst>
   </p:cSld>
@@ -48850,7 +48850,7 @@
     </p:spTree>
     <p:extLst>
       <p:ext uri="{BB962C8B-B14F-4D97-AF65-F5344CB8AC3E}">
-        <p14:creationId xmlns:p14="http://schemas.microsoft.com/office/powerpoint/2010/main" xmlns="" val="522405798"/>
+        <p14:creationId xmlns="" xmlns:p14="http://schemas.microsoft.com/office/powerpoint/2010/main" val="522405798"/>
       </p:ext>
     </p:extLst>
   </p:cSld>
@@ -49043,7 +49043,7 @@
     </p:spTree>
     <p:extLst>
       <p:ext uri="{BB962C8B-B14F-4D97-AF65-F5344CB8AC3E}">
-        <p14:creationId xmlns:p14="http://schemas.microsoft.com/office/powerpoint/2010/main" xmlns="" val="522405798"/>
+        <p14:creationId xmlns="" xmlns:p14="http://schemas.microsoft.com/office/powerpoint/2010/main" val="522405798"/>
       </p:ext>
     </p:extLst>
   </p:cSld>
